--- a/Week_5/Lectures/5.1_MySQL.pptx
+++ b/Week_5/Lectures/5.1_MySQL.pptx
@@ -5,7 +5,7 @@
     <p:sldMasterId id="2147483659" r:id="rId1"/>
   </p:sldMasterIdLst>
   <p:notesMasterIdLst>
-    <p:notesMasterId r:id="rId12"/>
+    <p:notesMasterId r:id="rId15"/>
   </p:notesMasterIdLst>
   <p:sldIdLst>
     <p:sldId id="256" r:id="rId2"/>
@@ -18,6 +18,9 @@
     <p:sldId id="263" r:id="rId9"/>
     <p:sldId id="264" r:id="rId10"/>
     <p:sldId id="265" r:id="rId11"/>
+    <p:sldId id="266" r:id="rId12"/>
+    <p:sldId id="267" r:id="rId13"/>
+    <p:sldId id="268" r:id="rId14"/>
   </p:sldIdLst>
   <p:sldSz cx="9144000" cy="5143500" type="screen16x9"/>
   <p:notesSz cx="6858000" cy="9144000"/>
@@ -388,7 +391,7 @@
     </p:spTree>
     <p:extLst>
       <p:ext uri="{BB962C8B-B14F-4D97-AF65-F5344CB8AC3E}">
-        <p14:creationId xmlns:p14="http://schemas.microsoft.com/office/powerpoint/2010/main" val="1940118722"/>
+        <p14:creationId xmlns:p14="http://schemas.microsoft.com/office/powerpoint/2010/main" val="1595547937"/>
       </p:ext>
     </p:extLst>
   </p:cSld>
@@ -594,7 +597,7 @@
   <p:cSld>
     <p:spTree>
       <p:nvGrpSpPr>
-        <p:cNvPr id="1" name="Shape 118"/>
+        <p:cNvPr id="1" name="Shape 120"/>
         <p:cNvGrpSpPr/>
         <p:nvPr/>
       </p:nvGrpSpPr>
@@ -608,7 +611,7 @@
       </p:grpSpPr>
       <p:sp>
         <p:nvSpPr>
-          <p:cNvPr id="119" name="Shape 119"/>
+          <p:cNvPr id="121" name="Shape 121"/>
           <p:cNvSpPr>
             <a:spLocks noGrp="1" noRot="1" noChangeAspect="1"/>
           </p:cNvSpPr>
@@ -649,7 +652,310 @@
       </p:sp>
       <p:sp>
         <p:nvSpPr>
-          <p:cNvPr id="120" name="Shape 120"/>
+          <p:cNvPr id="122" name="Shape 122"/>
+          <p:cNvSpPr txBox="1">
+            <a:spLocks noGrp="1"/>
+          </p:cNvSpPr>
+          <p:nvPr>
+            <p:ph type="body" idx="1"/>
+          </p:nvPr>
+        </p:nvSpPr>
+        <p:spPr>
+          <a:xfrm>
+            <a:off x="685800" y="4343400"/>
+            <a:ext cx="5486400" cy="4114800"/>
+          </a:xfrm>
+          <a:prstGeom prst="rect">
+            <a:avLst/>
+          </a:prstGeom>
+        </p:spPr>
+        <p:txBody>
+          <a:bodyPr lIns="91425" tIns="91425" rIns="91425" bIns="91425" anchor="t" anchorCtr="0">
+            <a:noAutofit/>
+          </a:bodyPr>
+          <a:lstStyle/>
+          <a:p>
+            <a:pPr lvl="0">
+              <a:spcBef>
+                <a:spcPts val="0"/>
+              </a:spcBef>
+              <a:buNone/>
+            </a:pPr>
+            <a:endParaRPr/>
+          </a:p>
+        </p:txBody>
+      </p:sp>
+    </p:spTree>
+  </p:cSld>
+  <p:clrMapOvr>
+    <a:masterClrMapping/>
+  </p:clrMapOvr>
+</p:notes>
+</file>
+
+<file path=ppt/notesSlides/notesSlide11.xml><?xml version="1.0" encoding="utf-8"?>
+<p:notes xmlns:a="http://schemas.openxmlformats.org/drawingml/2006/main" xmlns:r="http://schemas.openxmlformats.org/officeDocument/2006/relationships" xmlns:p="http://schemas.openxmlformats.org/presentationml/2006/main" showMasterSp="0" showMasterPhAnim="0">
+  <p:cSld>
+    <p:spTree>
+      <p:nvGrpSpPr>
+        <p:cNvPr id="1" name="Shape 126"/>
+        <p:cNvGrpSpPr/>
+        <p:nvPr/>
+      </p:nvGrpSpPr>
+      <p:grpSpPr>
+        <a:xfrm>
+          <a:off x="0" y="0"/>
+          <a:ext cx="0" cy="0"/>
+          <a:chOff x="0" y="0"/>
+          <a:chExt cx="0" cy="0"/>
+        </a:xfrm>
+      </p:grpSpPr>
+      <p:sp>
+        <p:nvSpPr>
+          <p:cNvPr id="127" name="Shape 127"/>
+          <p:cNvSpPr>
+            <a:spLocks noGrp="1" noRot="1" noChangeAspect="1"/>
+          </p:cNvSpPr>
+          <p:nvPr>
+            <p:ph type="sldImg" idx="2"/>
+          </p:nvPr>
+        </p:nvSpPr>
+        <p:spPr>
+          <a:xfrm>
+            <a:off x="381300" y="685800"/>
+            <a:ext cx="6096000" cy="3429000"/>
+          </a:xfrm>
+          <a:custGeom>
+            <a:avLst/>
+            <a:gdLst/>
+            <a:ahLst/>
+            <a:cxnLst/>
+            <a:rect l="0" t="0" r="0" b="0"/>
+            <a:pathLst>
+              <a:path w="120000" h="120000" extrusionOk="0">
+                <a:moveTo>
+                  <a:pt x="0" y="0"/>
+                </a:moveTo>
+                <a:lnTo>
+                  <a:pt x="120000" y="0"/>
+                </a:lnTo>
+                <a:lnTo>
+                  <a:pt x="120000" y="120000"/>
+                </a:lnTo>
+                <a:lnTo>
+                  <a:pt x="0" y="120000"/>
+                </a:lnTo>
+                <a:close/>
+              </a:path>
+            </a:pathLst>
+          </a:custGeom>
+        </p:spPr>
+      </p:sp>
+      <p:sp>
+        <p:nvSpPr>
+          <p:cNvPr id="128" name="Shape 128"/>
+          <p:cNvSpPr txBox="1">
+            <a:spLocks noGrp="1"/>
+          </p:cNvSpPr>
+          <p:nvPr>
+            <p:ph type="body" idx="1"/>
+          </p:nvPr>
+        </p:nvSpPr>
+        <p:spPr>
+          <a:xfrm>
+            <a:off x="685800" y="4343400"/>
+            <a:ext cx="5486400" cy="4114800"/>
+          </a:xfrm>
+          <a:prstGeom prst="rect">
+            <a:avLst/>
+          </a:prstGeom>
+        </p:spPr>
+        <p:txBody>
+          <a:bodyPr lIns="91425" tIns="91425" rIns="91425" bIns="91425" anchor="t" anchorCtr="0">
+            <a:noAutofit/>
+          </a:bodyPr>
+          <a:lstStyle/>
+          <a:p>
+            <a:pPr lvl="0" rtl="0">
+              <a:spcBef>
+                <a:spcPts val="0"/>
+              </a:spcBef>
+              <a:buNone/>
+            </a:pPr>
+            <a:endParaRPr/>
+          </a:p>
+        </p:txBody>
+      </p:sp>
+    </p:spTree>
+  </p:cSld>
+  <p:clrMapOvr>
+    <a:masterClrMapping/>
+  </p:clrMapOvr>
+</p:notes>
+</file>
+
+<file path=ppt/notesSlides/notesSlide12.xml><?xml version="1.0" encoding="utf-8"?>
+<p:notes xmlns:a="http://schemas.openxmlformats.org/drawingml/2006/main" xmlns:r="http://schemas.openxmlformats.org/officeDocument/2006/relationships" xmlns:p="http://schemas.openxmlformats.org/presentationml/2006/main" showMasterSp="0" showMasterPhAnim="0">
+  <p:cSld>
+    <p:spTree>
+      <p:nvGrpSpPr>
+        <p:cNvPr id="1" name="Shape 132"/>
+        <p:cNvGrpSpPr/>
+        <p:nvPr/>
+      </p:nvGrpSpPr>
+      <p:grpSpPr>
+        <a:xfrm>
+          <a:off x="0" y="0"/>
+          <a:ext cx="0" cy="0"/>
+          <a:chOff x="0" y="0"/>
+          <a:chExt cx="0" cy="0"/>
+        </a:xfrm>
+      </p:grpSpPr>
+      <p:sp>
+        <p:nvSpPr>
+          <p:cNvPr id="133" name="Shape 133"/>
+          <p:cNvSpPr>
+            <a:spLocks noGrp="1" noRot="1" noChangeAspect="1"/>
+          </p:cNvSpPr>
+          <p:nvPr>
+            <p:ph type="sldImg" idx="2"/>
+          </p:nvPr>
+        </p:nvSpPr>
+        <p:spPr>
+          <a:xfrm>
+            <a:off x="381300" y="685800"/>
+            <a:ext cx="6096000" cy="3429000"/>
+          </a:xfrm>
+          <a:custGeom>
+            <a:avLst/>
+            <a:gdLst/>
+            <a:ahLst/>
+            <a:cxnLst/>
+            <a:rect l="0" t="0" r="0" b="0"/>
+            <a:pathLst>
+              <a:path w="120000" h="120000" extrusionOk="0">
+                <a:moveTo>
+                  <a:pt x="0" y="0"/>
+                </a:moveTo>
+                <a:lnTo>
+                  <a:pt x="120000" y="0"/>
+                </a:lnTo>
+                <a:lnTo>
+                  <a:pt x="120000" y="120000"/>
+                </a:lnTo>
+                <a:lnTo>
+                  <a:pt x="0" y="120000"/>
+                </a:lnTo>
+                <a:close/>
+              </a:path>
+            </a:pathLst>
+          </a:custGeom>
+        </p:spPr>
+      </p:sp>
+      <p:sp>
+        <p:nvSpPr>
+          <p:cNvPr id="134" name="Shape 134"/>
+          <p:cNvSpPr txBox="1">
+            <a:spLocks noGrp="1"/>
+          </p:cNvSpPr>
+          <p:nvPr>
+            <p:ph type="body" idx="1"/>
+          </p:nvPr>
+        </p:nvSpPr>
+        <p:spPr>
+          <a:xfrm>
+            <a:off x="685800" y="4343400"/>
+            <a:ext cx="5486400" cy="4114800"/>
+          </a:xfrm>
+          <a:prstGeom prst="rect">
+            <a:avLst/>
+          </a:prstGeom>
+        </p:spPr>
+        <p:txBody>
+          <a:bodyPr lIns="91425" tIns="91425" rIns="91425" bIns="91425" anchor="t" anchorCtr="0">
+            <a:noAutofit/>
+          </a:bodyPr>
+          <a:lstStyle/>
+          <a:p>
+            <a:pPr lvl="0">
+              <a:spcBef>
+                <a:spcPts val="0"/>
+              </a:spcBef>
+              <a:buNone/>
+            </a:pPr>
+            <a:endParaRPr/>
+          </a:p>
+        </p:txBody>
+      </p:sp>
+    </p:spTree>
+  </p:cSld>
+  <p:clrMapOvr>
+    <a:masterClrMapping/>
+  </p:clrMapOvr>
+</p:notes>
+</file>
+
+<file path=ppt/notesSlides/notesSlide13.xml><?xml version="1.0" encoding="utf-8"?>
+<p:notes xmlns:a="http://schemas.openxmlformats.org/drawingml/2006/main" xmlns:r="http://schemas.openxmlformats.org/officeDocument/2006/relationships" xmlns:p="http://schemas.openxmlformats.org/presentationml/2006/main" showMasterSp="0" showMasterPhAnim="0">
+  <p:cSld>
+    <p:spTree>
+      <p:nvGrpSpPr>
+        <p:cNvPr id="1" name="Shape 138"/>
+        <p:cNvGrpSpPr/>
+        <p:nvPr/>
+      </p:nvGrpSpPr>
+      <p:grpSpPr>
+        <a:xfrm>
+          <a:off x="0" y="0"/>
+          <a:ext cx="0" cy="0"/>
+          <a:chOff x="0" y="0"/>
+          <a:chExt cx="0" cy="0"/>
+        </a:xfrm>
+      </p:grpSpPr>
+      <p:sp>
+        <p:nvSpPr>
+          <p:cNvPr id="139" name="Shape 139"/>
+          <p:cNvSpPr>
+            <a:spLocks noGrp="1" noRot="1" noChangeAspect="1"/>
+          </p:cNvSpPr>
+          <p:nvPr>
+            <p:ph type="sldImg" idx="2"/>
+          </p:nvPr>
+        </p:nvSpPr>
+        <p:spPr>
+          <a:xfrm>
+            <a:off x="381300" y="685800"/>
+            <a:ext cx="6096000" cy="3429000"/>
+          </a:xfrm>
+          <a:custGeom>
+            <a:avLst/>
+            <a:gdLst/>
+            <a:ahLst/>
+            <a:cxnLst/>
+            <a:rect l="0" t="0" r="0" b="0"/>
+            <a:pathLst>
+              <a:path w="120000" h="120000" extrusionOk="0">
+                <a:moveTo>
+                  <a:pt x="0" y="0"/>
+                </a:moveTo>
+                <a:lnTo>
+                  <a:pt x="120000" y="0"/>
+                </a:lnTo>
+                <a:lnTo>
+                  <a:pt x="120000" y="120000"/>
+                </a:lnTo>
+                <a:lnTo>
+                  <a:pt x="0" y="120000"/>
+                </a:lnTo>
+                <a:close/>
+              </a:path>
+            </a:pathLst>
+          </a:custGeom>
+        </p:spPr>
+      </p:sp>
+      <p:sp>
+        <p:nvSpPr>
+          <p:cNvPr id="140" name="Shape 140"/>
           <p:cNvSpPr txBox="1">
             <a:spLocks noGrp="1"/>
           </p:cNvSpPr>
@@ -927,7 +1233,7 @@
         </p:nvSpPr>
         <p:spPr>
           <a:xfrm>
-            <a:off x="381300" y="685800"/>
+            <a:off x="381000" y="685800"/>
             <a:ext cx="6096000" cy="3429000"/>
           </a:xfrm>
           <a:custGeom>
@@ -1004,7 +1310,7 @@
   <p:cSld>
     <p:spTree>
       <p:nvGrpSpPr>
-        <p:cNvPr id="1" name="Shape 88"/>
+        <p:cNvPr id="1" name="Shape 89"/>
         <p:cNvGrpSpPr/>
         <p:nvPr/>
       </p:nvGrpSpPr>
@@ -1018,7 +1324,7 @@
       </p:grpSpPr>
       <p:sp>
         <p:nvSpPr>
-          <p:cNvPr id="89" name="Shape 89"/>
+          <p:cNvPr id="90" name="Shape 90"/>
           <p:cNvSpPr>
             <a:spLocks noGrp="1" noRot="1" noChangeAspect="1"/>
           </p:cNvSpPr>
@@ -1059,7 +1365,7 @@
       </p:sp>
       <p:sp>
         <p:nvSpPr>
-          <p:cNvPr id="90" name="Shape 90"/>
+          <p:cNvPr id="91" name="Shape 91"/>
           <p:cNvSpPr txBox="1">
             <a:spLocks noGrp="1"/>
           </p:cNvSpPr>
@@ -1082,7 +1388,7 @@
           </a:bodyPr>
           <a:lstStyle/>
           <a:p>
-            <a:pPr lvl="0">
+            <a:pPr lvl="0" rtl="0">
               <a:spcBef>
                 <a:spcPts val="0"/>
               </a:spcBef>
@@ -1105,7 +1411,7 @@
   <p:cSld>
     <p:spTree>
       <p:nvGrpSpPr>
-        <p:cNvPr id="1" name="Shape 94"/>
+        <p:cNvPr id="1" name="Shape 96"/>
         <p:cNvGrpSpPr/>
         <p:nvPr/>
       </p:nvGrpSpPr>
@@ -1119,7 +1425,7 @@
       </p:grpSpPr>
       <p:sp>
         <p:nvSpPr>
-          <p:cNvPr id="95" name="Shape 95"/>
+          <p:cNvPr id="97" name="Shape 97"/>
           <p:cNvSpPr>
             <a:spLocks noGrp="1" noRot="1" noChangeAspect="1"/>
           </p:cNvSpPr>
@@ -1160,7 +1466,7 @@
       </p:sp>
       <p:sp>
         <p:nvSpPr>
-          <p:cNvPr id="96" name="Shape 96"/>
+          <p:cNvPr id="98" name="Shape 98"/>
           <p:cNvSpPr txBox="1">
             <a:spLocks noGrp="1"/>
           </p:cNvSpPr>
@@ -1183,88 +1489,13 @@
           </a:bodyPr>
           <a:lstStyle/>
           <a:p>
-            <a:pPr lvl="0">
-              <a:spcBef>
-                <a:spcPts val="0"/>
-              </a:spcBef>
-              <a:buNone/>
-            </a:pPr>
-            <a:r>
-              <a:rPr lang="en"/>
-              <a:t>For the create, we are</a:t>
-            </a:r>
-          </a:p>
-          <a:p>
-            <a:pPr marL="457200" lvl="0" indent="-228600" rtl="0">
-              <a:spcBef>
-                <a:spcPts val="0"/>
-              </a:spcBef>
-              <a:buAutoNum type="arabicParenR"/>
-            </a:pPr>
-            <a:r>
-              <a:rPr lang="en"/>
-              <a:t>Creating a table named test_table</a:t>
-            </a:r>
-          </a:p>
-          <a:p>
-            <a:pPr marL="457200" lvl="0" indent="-228600" rtl="0">
-              <a:spcBef>
-                <a:spcPts val="0"/>
-              </a:spcBef>
-              <a:buAutoNum type="arabicParenR"/>
-            </a:pPr>
-            <a:r>
-              <a:rPr lang="en"/>
-              <a:t>test_table has 2 fields (or columns): id and user</a:t>
-            </a:r>
-          </a:p>
-          <a:p>
-            <a:pPr marL="457200" lvl="0" indent="-228600" rtl="0">
-              <a:spcBef>
-                <a:spcPts val="0"/>
-              </a:spcBef>
-              <a:buAutoNum type="arabicParenR"/>
-            </a:pPr>
-            <a:r>
-              <a:rPr lang="en"/>
-              <a:t>id is of type integer, it cannot be null, and each time a new record is added to the table, the value of id is the current highest value of id + 1.</a:t>
-            </a:r>
-          </a:p>
-          <a:p>
-            <a:pPr marL="457200" lvl="0" indent="-228600" rtl="0">
-              <a:spcBef>
-                <a:spcPts val="0"/>
-              </a:spcBef>
-              <a:buAutoNum type="arabicParenR"/>
-            </a:pPr>
-            <a:r>
-              <a:rPr lang="en"/>
-              <a:t>user is a string (varchar) of max length 15, and cannot be null</a:t>
-            </a:r>
-          </a:p>
-          <a:p>
-            <a:pPr marL="457200" lvl="0" indent="-228600" rtl="0">
-              <a:spcBef>
-                <a:spcPts val="0"/>
-              </a:spcBef>
-              <a:buAutoNum type="arabicParenR"/>
-            </a:pPr>
-            <a:r>
-              <a:rPr lang="en"/>
-              <a:t>id is the primary key, meaning that no two records can have the same value for id, and that id the field to uniquely identify a record</a:t>
-            </a:r>
-          </a:p>
-          <a:p>
-            <a:pPr marL="457200" lvl="0" indent="-228600">
-              <a:spcBef>
-                <a:spcPts val="0"/>
-              </a:spcBef>
-              <a:buAutoNum type="arabicParenR"/>
-            </a:pPr>
-            <a:r>
-              <a:rPr lang="en"/>
-              <a:t>user is unique, meaning that no two records can have the same value for user</a:t>
-            </a:r>
+            <a:pPr lvl="0" rtl="0">
+              <a:spcBef>
+                <a:spcPts val="0"/>
+              </a:spcBef>
+              <a:buNone/>
+            </a:pPr>
+            <a:endParaRPr/>
           </a:p>
         </p:txBody>
       </p:sp>
@@ -1281,7 +1512,7 @@
   <p:cSld>
     <p:spTree>
       <p:nvGrpSpPr>
-        <p:cNvPr id="1" name="Shape 100"/>
+        <p:cNvPr id="1" name="Shape 102"/>
         <p:cNvGrpSpPr/>
         <p:nvPr/>
       </p:nvGrpSpPr>
@@ -1295,7 +1526,7 @@
       </p:grpSpPr>
       <p:sp>
         <p:nvSpPr>
-          <p:cNvPr id="101" name="Shape 101"/>
+          <p:cNvPr id="103" name="Shape 103"/>
           <p:cNvSpPr>
             <a:spLocks noGrp="1" noRot="1" noChangeAspect="1"/>
           </p:cNvSpPr>
@@ -1336,7 +1567,7 @@
       </p:sp>
       <p:sp>
         <p:nvSpPr>
-          <p:cNvPr id="102" name="Shape 102"/>
+          <p:cNvPr id="104" name="Shape 104"/>
           <p:cNvSpPr txBox="1">
             <a:spLocks noGrp="1"/>
           </p:cNvSpPr>
@@ -1359,7 +1590,7 @@
           </a:bodyPr>
           <a:lstStyle/>
           <a:p>
-            <a:pPr lvl="0">
+            <a:pPr lvl="0" rtl="0">
               <a:spcBef>
                 <a:spcPts val="0"/>
               </a:spcBef>
@@ -1382,7 +1613,7 @@
   <p:cSld>
     <p:spTree>
       <p:nvGrpSpPr>
-        <p:cNvPr id="1" name="Shape 106"/>
+        <p:cNvPr id="1" name="Shape 108"/>
         <p:cNvGrpSpPr/>
         <p:nvPr/>
       </p:nvGrpSpPr>
@@ -1396,7 +1627,7 @@
       </p:grpSpPr>
       <p:sp>
         <p:nvSpPr>
-          <p:cNvPr id="107" name="Shape 107"/>
+          <p:cNvPr id="109" name="Shape 109"/>
           <p:cNvSpPr>
             <a:spLocks noGrp="1" noRot="1" noChangeAspect="1"/>
           </p:cNvSpPr>
@@ -1437,7 +1668,7 @@
       </p:sp>
       <p:sp>
         <p:nvSpPr>
-          <p:cNvPr id="108" name="Shape 108"/>
+          <p:cNvPr id="110" name="Shape 110"/>
           <p:cNvSpPr txBox="1">
             <a:spLocks noGrp="1"/>
           </p:cNvSpPr>
@@ -1460,7 +1691,7 @@
           </a:bodyPr>
           <a:lstStyle/>
           <a:p>
-            <a:pPr lvl="0" rtl="0">
+            <a:pPr lvl="0">
               <a:spcBef>
                 <a:spcPts val="0"/>
               </a:spcBef>
@@ -1483,7 +1714,7 @@
   <p:cSld>
     <p:spTree>
       <p:nvGrpSpPr>
-        <p:cNvPr id="1" name="Shape 112"/>
+        <p:cNvPr id="1" name="Shape 114"/>
         <p:cNvGrpSpPr/>
         <p:nvPr/>
       </p:nvGrpSpPr>
@@ -1497,7 +1728,7 @@
       </p:grpSpPr>
       <p:sp>
         <p:nvSpPr>
-          <p:cNvPr id="113" name="Shape 113"/>
+          <p:cNvPr id="115" name="Shape 115"/>
           <p:cNvSpPr>
             <a:spLocks noGrp="1" noRot="1" noChangeAspect="1"/>
           </p:cNvSpPr>
@@ -1538,7 +1769,7 @@
       </p:sp>
       <p:sp>
         <p:nvSpPr>
-          <p:cNvPr id="114" name="Shape 114"/>
+          <p:cNvPr id="116" name="Shape 116"/>
           <p:cNvSpPr txBox="1">
             <a:spLocks noGrp="1"/>
           </p:cNvSpPr>
@@ -1567,7 +1798,82 @@
               </a:spcBef>
               <a:buNone/>
             </a:pPr>
-            <a:endParaRPr/>
+            <a:r>
+              <a:rPr lang="en"/>
+              <a:t>For the create, we are</a:t>
+            </a:r>
+          </a:p>
+          <a:p>
+            <a:pPr marL="457200" lvl="0" indent="-228600" rtl="0">
+              <a:spcBef>
+                <a:spcPts val="0"/>
+              </a:spcBef>
+              <a:buAutoNum type="arabicParenR"/>
+            </a:pPr>
+            <a:r>
+              <a:rPr lang="en"/>
+              <a:t>Creating a table named test_table</a:t>
+            </a:r>
+          </a:p>
+          <a:p>
+            <a:pPr marL="457200" lvl="0" indent="-228600" rtl="0">
+              <a:spcBef>
+                <a:spcPts val="0"/>
+              </a:spcBef>
+              <a:buAutoNum type="arabicParenR"/>
+            </a:pPr>
+            <a:r>
+              <a:rPr lang="en"/>
+              <a:t>test_table has 2 fields (or columns): id and user</a:t>
+            </a:r>
+          </a:p>
+          <a:p>
+            <a:pPr marL="457200" lvl="0" indent="-228600" rtl="0">
+              <a:spcBef>
+                <a:spcPts val="0"/>
+              </a:spcBef>
+              <a:buAutoNum type="arabicParenR"/>
+            </a:pPr>
+            <a:r>
+              <a:rPr lang="en"/>
+              <a:t>id is of type integer, it cannot be null, and each time a new record is added to the table, the value of id is the current highest value of id + 1.</a:t>
+            </a:r>
+          </a:p>
+          <a:p>
+            <a:pPr marL="457200" lvl="0" indent="-228600" rtl="0">
+              <a:spcBef>
+                <a:spcPts val="0"/>
+              </a:spcBef>
+              <a:buAutoNum type="arabicParenR"/>
+            </a:pPr>
+            <a:r>
+              <a:rPr lang="en"/>
+              <a:t>user is a string (varchar) of max length 15, and cannot be null</a:t>
+            </a:r>
+          </a:p>
+          <a:p>
+            <a:pPr marL="457200" lvl="0" indent="-228600" rtl="0">
+              <a:spcBef>
+                <a:spcPts val="0"/>
+              </a:spcBef>
+              <a:buAutoNum type="arabicParenR"/>
+            </a:pPr>
+            <a:r>
+              <a:rPr lang="en"/>
+              <a:t>id is the primary key, meaning that no two records can have the same value for id, and that id the field to uniquely identify a record</a:t>
+            </a:r>
+          </a:p>
+          <a:p>
+            <a:pPr marL="457200" lvl="0" indent="-228600">
+              <a:spcBef>
+                <a:spcPts val="0"/>
+              </a:spcBef>
+              <a:buAutoNum type="arabicParenR"/>
+            </a:pPr>
+            <a:r>
+              <a:rPr lang="en"/>
+              <a:t>user is unique, meaning that no two records can have the same value for user</a:t>
+            </a:r>
           </a:p>
         </p:txBody>
       </p:sp>
@@ -5625,7 +5931,7 @@
   <p:cSld>
     <p:spTree>
       <p:nvGrpSpPr>
-        <p:cNvPr id="1" name="Shape 121"/>
+        <p:cNvPr id="1" name="Shape 123"/>
         <p:cNvGrpSpPr/>
         <p:nvPr/>
       </p:nvGrpSpPr>
@@ -5639,7 +5945,7 @@
       </p:grpSpPr>
       <p:sp>
         <p:nvSpPr>
-          <p:cNvPr id="122" name="Shape 122"/>
+          <p:cNvPr id="124" name="Shape 124"/>
           <p:cNvSpPr txBox="1">
             <a:spLocks noGrp="1"/>
           </p:cNvSpPr>
@@ -5670,14 +5976,1083 @@
             </a:pPr>
             <a:r>
               <a:rPr lang="en"/>
-              <a:t>Reference</a:t>
+              <a:t>Insert/Update/Delete/Query a record</a:t>
             </a:r>
           </a:p>
         </p:txBody>
       </p:sp>
       <p:sp>
         <p:nvSpPr>
-          <p:cNvPr id="123" name="Shape 123"/>
+          <p:cNvPr id="125" name="Shape 125"/>
+          <p:cNvSpPr txBox="1">
+            <a:spLocks noGrp="1"/>
+          </p:cNvSpPr>
+          <p:nvPr>
+            <p:ph type="body" idx="1"/>
+          </p:nvPr>
+        </p:nvSpPr>
+        <p:spPr>
+          <a:xfrm>
+            <a:off x="311700" y="1228775"/>
+            <a:ext cx="8520600" cy="3302700"/>
+          </a:xfrm>
+          <a:prstGeom prst="rect">
+            <a:avLst/>
+          </a:prstGeom>
+        </p:spPr>
+        <p:txBody>
+          <a:bodyPr lIns="91425" tIns="91425" rIns="91425" bIns="91425" anchor="t" anchorCtr="0">
+            <a:noAutofit/>
+          </a:bodyPr>
+          <a:lstStyle/>
+          <a:p>
+            <a:pPr lvl="0" rtl="0">
+              <a:lnSpc>
+                <a:spcPct val="100000"/>
+              </a:lnSpc>
+              <a:spcBef>
+                <a:spcPts val="0"/>
+              </a:spcBef>
+              <a:spcAft>
+                <a:spcPts val="0"/>
+              </a:spcAft>
+              <a:buNone/>
+            </a:pPr>
+            <a:r>
+              <a:rPr lang="en" sz="1400">
+                <a:solidFill>
+                  <a:srgbClr val="999999"/>
+                </a:solidFill>
+                <a:latin typeface="Consolas"/>
+                <a:ea typeface="Consolas"/>
+                <a:cs typeface="Consolas"/>
+                <a:sym typeface="Consolas"/>
+              </a:rPr>
+              <a:t># Add a new record with user = “johnDoe” into test_table. id will be</a:t>
+            </a:r>
+          </a:p>
+          <a:p>
+            <a:pPr lvl="0" rtl="0">
+              <a:lnSpc>
+                <a:spcPct val="100000"/>
+              </a:lnSpc>
+              <a:spcBef>
+                <a:spcPts val="0"/>
+              </a:spcBef>
+              <a:spcAft>
+                <a:spcPts val="0"/>
+              </a:spcAft>
+              <a:buNone/>
+            </a:pPr>
+            <a:r>
+              <a:rPr lang="en" sz="1400">
+                <a:solidFill>
+                  <a:srgbClr val="999999"/>
+                </a:solidFill>
+                <a:latin typeface="Consolas"/>
+                <a:ea typeface="Consolas"/>
+                <a:cs typeface="Consolas"/>
+                <a:sym typeface="Consolas"/>
+              </a:rPr>
+              <a:t># set automatically; since this is the first record in the table, id = 1.</a:t>
+            </a:r>
+          </a:p>
+          <a:p>
+            <a:pPr lvl="0" rtl="0">
+              <a:lnSpc>
+                <a:spcPct val="100000"/>
+              </a:lnSpc>
+              <a:spcBef>
+                <a:spcPts val="0"/>
+              </a:spcBef>
+              <a:spcAft>
+                <a:spcPts val="1000"/>
+              </a:spcAft>
+              <a:buNone/>
+            </a:pPr>
+            <a:r>
+              <a:rPr lang="en" sz="1400">
+                <a:solidFill>
+                  <a:srgbClr val="000000"/>
+                </a:solidFill>
+                <a:latin typeface="Consolas"/>
+                <a:ea typeface="Consolas"/>
+                <a:cs typeface="Consolas"/>
+                <a:sym typeface="Consolas"/>
+              </a:rPr>
+              <a:t>&gt; INSERT INTO test_table (user) VALUES(“johnDoe”); </a:t>
+            </a:r>
+          </a:p>
+          <a:p>
+            <a:pPr lvl="0" rtl="0">
+              <a:lnSpc>
+                <a:spcPct val="100000"/>
+              </a:lnSpc>
+              <a:spcBef>
+                <a:spcPts val="0"/>
+              </a:spcBef>
+              <a:spcAft>
+                <a:spcPts val="0"/>
+              </a:spcAft>
+              <a:buNone/>
+            </a:pPr>
+            <a:r>
+              <a:rPr lang="en" sz="1400">
+                <a:solidFill>
+                  <a:srgbClr val="999999"/>
+                </a:solidFill>
+                <a:latin typeface="Consolas"/>
+                <a:ea typeface="Consolas"/>
+                <a:cs typeface="Consolas"/>
+                <a:sym typeface="Consolas"/>
+              </a:rPr>
+              <a:t># Display everything currently in test_table</a:t>
+            </a:r>
+          </a:p>
+          <a:p>
+            <a:pPr lvl="0" rtl="0">
+              <a:lnSpc>
+                <a:spcPct val="100000"/>
+              </a:lnSpc>
+              <a:spcBef>
+                <a:spcPts val="0"/>
+              </a:spcBef>
+              <a:spcAft>
+                <a:spcPts val="0"/>
+              </a:spcAft>
+              <a:buNone/>
+            </a:pPr>
+            <a:r>
+              <a:rPr lang="en" sz="1400">
+                <a:solidFill>
+                  <a:srgbClr val="000000"/>
+                </a:solidFill>
+                <a:latin typeface="Consolas"/>
+                <a:ea typeface="Consolas"/>
+                <a:cs typeface="Consolas"/>
+                <a:sym typeface="Consolas"/>
+              </a:rPr>
+              <a:t>&gt; SELECT * FROM test_table;</a:t>
+            </a:r>
+          </a:p>
+          <a:p>
+            <a:pPr lvl="0" rtl="0">
+              <a:lnSpc>
+                <a:spcPct val="100000"/>
+              </a:lnSpc>
+              <a:spcBef>
+                <a:spcPts val="0"/>
+              </a:spcBef>
+              <a:spcAft>
+                <a:spcPts val="0"/>
+              </a:spcAft>
+              <a:buNone/>
+            </a:pPr>
+            <a:endParaRPr sz="1400">
+              <a:solidFill>
+                <a:srgbClr val="000000"/>
+              </a:solidFill>
+              <a:latin typeface="Consolas"/>
+              <a:ea typeface="Consolas"/>
+              <a:cs typeface="Consolas"/>
+              <a:sym typeface="Consolas"/>
+            </a:endParaRPr>
+          </a:p>
+          <a:p>
+            <a:pPr lvl="0" rtl="0">
+              <a:lnSpc>
+                <a:spcPct val="100000"/>
+              </a:lnSpc>
+              <a:spcBef>
+                <a:spcPts val="0"/>
+              </a:spcBef>
+              <a:spcAft>
+                <a:spcPts val="0"/>
+              </a:spcAft>
+              <a:buNone/>
+            </a:pPr>
+            <a:r>
+              <a:rPr lang="en" sz="1400">
+                <a:solidFill>
+                  <a:srgbClr val="999999"/>
+                </a:solidFill>
+                <a:latin typeface="Consolas"/>
+                <a:ea typeface="Consolas"/>
+                <a:cs typeface="Consolas"/>
+                <a:sym typeface="Consolas"/>
+              </a:rPr>
+              <a:t># Add a new record with user = “janeDoe” into test_table. id will be </a:t>
+            </a:r>
+            <a:br>
+              <a:rPr lang="en" sz="1400">
+                <a:solidFill>
+                  <a:srgbClr val="999999"/>
+                </a:solidFill>
+                <a:latin typeface="Consolas"/>
+                <a:ea typeface="Consolas"/>
+                <a:cs typeface="Consolas"/>
+                <a:sym typeface="Consolas"/>
+              </a:rPr>
+            </a:br>
+            <a:r>
+              <a:rPr lang="en" sz="1400">
+                <a:solidFill>
+                  <a:srgbClr val="999999"/>
+                </a:solidFill>
+                <a:latin typeface="Consolas"/>
+                <a:ea typeface="Consolas"/>
+                <a:cs typeface="Consolas"/>
+                <a:sym typeface="Consolas"/>
+              </a:rPr>
+              <a:t># automatically set to 2.</a:t>
+            </a:r>
+          </a:p>
+          <a:p>
+            <a:pPr lvl="0">
+              <a:lnSpc>
+                <a:spcPct val="100000"/>
+              </a:lnSpc>
+              <a:spcBef>
+                <a:spcPts val="0"/>
+              </a:spcBef>
+              <a:spcAft>
+                <a:spcPts val="0"/>
+              </a:spcAft>
+              <a:buNone/>
+            </a:pPr>
+            <a:r>
+              <a:rPr lang="en" sz="1400">
+                <a:solidFill>
+                  <a:srgbClr val="000000"/>
+                </a:solidFill>
+                <a:latin typeface="Consolas"/>
+                <a:ea typeface="Consolas"/>
+                <a:cs typeface="Consolas"/>
+                <a:sym typeface="Consolas"/>
+              </a:rPr>
+              <a:t>&gt; INSERT INTO test_table (user) VALUES(“janeDoe”);</a:t>
+            </a:r>
+          </a:p>
+          <a:p>
+            <a:pPr lvl="0" rtl="0">
+              <a:lnSpc>
+                <a:spcPct val="100000"/>
+              </a:lnSpc>
+              <a:spcBef>
+                <a:spcPts val="0"/>
+              </a:spcBef>
+              <a:spcAft>
+                <a:spcPts val="0"/>
+              </a:spcAft>
+              <a:buNone/>
+            </a:pPr>
+            <a:r>
+              <a:rPr lang="en" sz="1400">
+                <a:solidFill>
+                  <a:srgbClr val="000000"/>
+                </a:solidFill>
+                <a:latin typeface="Consolas"/>
+                <a:ea typeface="Consolas"/>
+                <a:cs typeface="Consolas"/>
+                <a:sym typeface="Consolas"/>
+              </a:rPr>
+              <a:t>&gt; SELECT * FROM test_table;</a:t>
+            </a:r>
+          </a:p>
+          <a:p>
+            <a:pPr lvl="0" rtl="0">
+              <a:lnSpc>
+                <a:spcPct val="100000"/>
+              </a:lnSpc>
+              <a:spcBef>
+                <a:spcPts val="0"/>
+              </a:spcBef>
+              <a:spcAft>
+                <a:spcPts val="0"/>
+              </a:spcAft>
+              <a:buNone/>
+            </a:pPr>
+            <a:endParaRPr sz="1400">
+              <a:solidFill>
+                <a:srgbClr val="000000"/>
+              </a:solidFill>
+              <a:latin typeface="Consolas"/>
+              <a:ea typeface="Consolas"/>
+              <a:cs typeface="Consolas"/>
+              <a:sym typeface="Consolas"/>
+            </a:endParaRPr>
+          </a:p>
+          <a:p>
+            <a:pPr lvl="0" rtl="0">
+              <a:lnSpc>
+                <a:spcPct val="100000"/>
+              </a:lnSpc>
+              <a:spcBef>
+                <a:spcPts val="0"/>
+              </a:spcBef>
+              <a:spcAft>
+                <a:spcPts val="0"/>
+              </a:spcAft>
+              <a:buNone/>
+            </a:pPr>
+            <a:r>
+              <a:rPr lang="en" sz="1400">
+                <a:solidFill>
+                  <a:srgbClr val="999999"/>
+                </a:solidFill>
+                <a:latin typeface="Consolas"/>
+                <a:ea typeface="Consolas"/>
+                <a:cs typeface="Consolas"/>
+                <a:sym typeface="Consolas"/>
+              </a:rPr>
+              <a:t># The record with user = “johnDoe” now has user = “noDoe” since it has id = 1.</a:t>
+            </a:r>
+          </a:p>
+          <a:p>
+            <a:pPr lvl="0" rtl="0">
+              <a:lnSpc>
+                <a:spcPct val="100000"/>
+              </a:lnSpc>
+              <a:spcBef>
+                <a:spcPts val="0"/>
+              </a:spcBef>
+              <a:spcAft>
+                <a:spcPts val="0"/>
+              </a:spcAft>
+              <a:buNone/>
+            </a:pPr>
+            <a:r>
+              <a:rPr lang="en" sz="1400">
+                <a:solidFill>
+                  <a:srgbClr val="000000"/>
+                </a:solidFill>
+                <a:latin typeface="Consolas"/>
+                <a:ea typeface="Consolas"/>
+                <a:cs typeface="Consolas"/>
+                <a:sym typeface="Consolas"/>
+              </a:rPr>
+              <a:t>&gt; UPDATE test_table SET user = “noDoe” WHERE id = 1;</a:t>
+            </a:r>
+          </a:p>
+          <a:p>
+            <a:pPr lvl="0" rtl="0">
+              <a:lnSpc>
+                <a:spcPct val="100000"/>
+              </a:lnSpc>
+              <a:spcBef>
+                <a:spcPts val="0"/>
+              </a:spcBef>
+              <a:spcAft>
+                <a:spcPts val="0"/>
+              </a:spcAft>
+              <a:buNone/>
+            </a:pPr>
+            <a:endParaRPr sz="1400">
+              <a:solidFill>
+                <a:srgbClr val="000000"/>
+              </a:solidFill>
+              <a:latin typeface="Consolas"/>
+              <a:ea typeface="Consolas"/>
+              <a:cs typeface="Consolas"/>
+              <a:sym typeface="Consolas"/>
+            </a:endParaRPr>
+          </a:p>
+          <a:p>
+            <a:pPr lvl="0" rtl="0">
+              <a:lnSpc>
+                <a:spcPct val="100000"/>
+              </a:lnSpc>
+              <a:spcBef>
+                <a:spcPts val="0"/>
+              </a:spcBef>
+              <a:spcAft>
+                <a:spcPts val="0"/>
+              </a:spcAft>
+              <a:buNone/>
+            </a:pPr>
+            <a:r>
+              <a:rPr lang="en" sz="1400">
+                <a:solidFill>
+                  <a:srgbClr val="999999"/>
+                </a:solidFill>
+                <a:latin typeface="Consolas"/>
+                <a:ea typeface="Consolas"/>
+                <a:cs typeface="Consolas"/>
+                <a:sym typeface="Consolas"/>
+              </a:rPr>
+              <a:t># Will display the noDoe record</a:t>
+            </a:r>
+          </a:p>
+          <a:p>
+            <a:pPr lvl="0">
+              <a:lnSpc>
+                <a:spcPct val="100000"/>
+              </a:lnSpc>
+              <a:spcBef>
+                <a:spcPts val="0"/>
+              </a:spcBef>
+              <a:spcAft>
+                <a:spcPts val="0"/>
+              </a:spcAft>
+              <a:buNone/>
+            </a:pPr>
+            <a:r>
+              <a:rPr lang="en" sz="1400">
+                <a:solidFill>
+                  <a:srgbClr val="000000"/>
+                </a:solidFill>
+                <a:latin typeface="Consolas"/>
+                <a:ea typeface="Consolas"/>
+                <a:cs typeface="Consolas"/>
+                <a:sym typeface="Consolas"/>
+              </a:rPr>
+              <a:t>&gt; SELECT user FROM test_table WHERE id = 1;</a:t>
+            </a:r>
+          </a:p>
+        </p:txBody>
+      </p:sp>
+    </p:spTree>
+  </p:cSld>
+  <p:clrMapOvr>
+    <a:masterClrMapping/>
+  </p:clrMapOvr>
+</p:sld>
+</file>
+
+<file path=ppt/slides/slide11.xml><?xml version="1.0" encoding="utf-8"?>
+<p:sld xmlns:a="http://schemas.openxmlformats.org/drawingml/2006/main" xmlns:r="http://schemas.openxmlformats.org/officeDocument/2006/relationships" xmlns:p="http://schemas.openxmlformats.org/presentationml/2006/main">
+  <p:cSld>
+    <p:spTree>
+      <p:nvGrpSpPr>
+        <p:cNvPr id="1" name="Shape 129"/>
+        <p:cNvGrpSpPr/>
+        <p:nvPr/>
+      </p:nvGrpSpPr>
+      <p:grpSpPr>
+        <a:xfrm>
+          <a:off x="0" y="0"/>
+          <a:ext cx="0" cy="0"/>
+          <a:chOff x="0" y="0"/>
+          <a:chExt cx="0" cy="0"/>
+        </a:xfrm>
+      </p:grpSpPr>
+      <p:sp>
+        <p:nvSpPr>
+          <p:cNvPr id="130" name="Shape 130"/>
+          <p:cNvSpPr txBox="1">
+            <a:spLocks noGrp="1"/>
+          </p:cNvSpPr>
+          <p:nvPr>
+            <p:ph type="title"/>
+          </p:nvPr>
+        </p:nvSpPr>
+        <p:spPr>
+          <a:xfrm>
+            <a:off x="311700" y="445025"/>
+            <a:ext cx="8520600" cy="707400"/>
+          </a:xfrm>
+          <a:prstGeom prst="rect">
+            <a:avLst/>
+          </a:prstGeom>
+        </p:spPr>
+        <p:txBody>
+          <a:bodyPr lIns="91425" tIns="91425" rIns="91425" bIns="91425" anchor="t" anchorCtr="0">
+            <a:noAutofit/>
+          </a:bodyPr>
+          <a:lstStyle/>
+          <a:p>
+            <a:pPr lvl="0" rtl="0">
+              <a:spcBef>
+                <a:spcPts val="0"/>
+              </a:spcBef>
+              <a:buNone/>
+            </a:pPr>
+            <a:r>
+              <a:rPr lang="en"/>
+              <a:t>Insert/Update/Delete/Query a record</a:t>
+            </a:r>
+          </a:p>
+        </p:txBody>
+      </p:sp>
+      <p:sp>
+        <p:nvSpPr>
+          <p:cNvPr id="131" name="Shape 131"/>
+          <p:cNvSpPr txBox="1">
+            <a:spLocks noGrp="1"/>
+          </p:cNvSpPr>
+          <p:nvPr>
+            <p:ph type="body" idx="1"/>
+          </p:nvPr>
+        </p:nvSpPr>
+        <p:spPr>
+          <a:xfrm>
+            <a:off x="311700" y="1228775"/>
+            <a:ext cx="8520600" cy="3302700"/>
+          </a:xfrm>
+          <a:prstGeom prst="rect">
+            <a:avLst/>
+          </a:prstGeom>
+        </p:spPr>
+        <p:txBody>
+          <a:bodyPr lIns="91425" tIns="91425" rIns="91425" bIns="91425" anchor="t" anchorCtr="0">
+            <a:noAutofit/>
+          </a:bodyPr>
+          <a:lstStyle/>
+          <a:p>
+            <a:pPr lvl="0" rtl="0">
+              <a:lnSpc>
+                <a:spcPct val="100000"/>
+              </a:lnSpc>
+              <a:spcBef>
+                <a:spcPts val="0"/>
+              </a:spcBef>
+              <a:spcAft>
+                <a:spcPts val="0"/>
+              </a:spcAft>
+              <a:buNone/>
+            </a:pPr>
+            <a:r>
+              <a:rPr lang="en" sz="1400">
+                <a:solidFill>
+                  <a:srgbClr val="999999"/>
+                </a:solidFill>
+                <a:latin typeface="Consolas"/>
+                <a:ea typeface="Consolas"/>
+                <a:cs typeface="Consolas"/>
+                <a:sym typeface="Consolas"/>
+              </a:rPr>
+              <a:t># Display everything currently in test_table, but formatted more legibly</a:t>
+            </a:r>
+          </a:p>
+          <a:p>
+            <a:pPr lvl="0" rtl="0">
+              <a:lnSpc>
+                <a:spcPct val="100000"/>
+              </a:lnSpc>
+              <a:spcBef>
+                <a:spcPts val="0"/>
+              </a:spcBef>
+              <a:spcAft>
+                <a:spcPts val="0"/>
+              </a:spcAft>
+              <a:buNone/>
+            </a:pPr>
+            <a:r>
+              <a:rPr lang="en" sz="1400">
+                <a:solidFill>
+                  <a:srgbClr val="000000"/>
+                </a:solidFill>
+                <a:latin typeface="Consolas"/>
+                <a:ea typeface="Consolas"/>
+                <a:cs typeface="Consolas"/>
+                <a:sym typeface="Consolas"/>
+              </a:rPr>
+              <a:t>&gt; SELECT * FROM test_table\G</a:t>
+            </a:r>
+          </a:p>
+          <a:p>
+            <a:pPr lvl="0" rtl="0">
+              <a:lnSpc>
+                <a:spcPct val="100000"/>
+              </a:lnSpc>
+              <a:spcBef>
+                <a:spcPts val="0"/>
+              </a:spcBef>
+              <a:spcAft>
+                <a:spcPts val="0"/>
+              </a:spcAft>
+              <a:buNone/>
+            </a:pPr>
+            <a:endParaRPr sz="1400">
+              <a:solidFill>
+                <a:srgbClr val="000000"/>
+              </a:solidFill>
+              <a:latin typeface="Consolas"/>
+              <a:ea typeface="Consolas"/>
+              <a:cs typeface="Consolas"/>
+              <a:sym typeface="Consolas"/>
+            </a:endParaRPr>
+          </a:p>
+          <a:p>
+            <a:pPr lvl="0" rtl="0">
+              <a:lnSpc>
+                <a:spcPct val="100000"/>
+              </a:lnSpc>
+              <a:spcBef>
+                <a:spcPts val="0"/>
+              </a:spcBef>
+              <a:spcAft>
+                <a:spcPts val="0"/>
+              </a:spcAft>
+              <a:buNone/>
+            </a:pPr>
+            <a:r>
+              <a:rPr lang="en" sz="1400">
+                <a:solidFill>
+                  <a:srgbClr val="999999"/>
+                </a:solidFill>
+                <a:latin typeface="Consolas"/>
+                <a:ea typeface="Consolas"/>
+                <a:cs typeface="Consolas"/>
+                <a:sym typeface="Consolas"/>
+              </a:rPr>
+              <a:t># Delete the record where id = 1</a:t>
+            </a:r>
+          </a:p>
+          <a:p>
+            <a:pPr lvl="0" rtl="0">
+              <a:lnSpc>
+                <a:spcPct val="100000"/>
+              </a:lnSpc>
+              <a:spcBef>
+                <a:spcPts val="0"/>
+              </a:spcBef>
+              <a:spcAft>
+                <a:spcPts val="0"/>
+              </a:spcAft>
+              <a:buNone/>
+            </a:pPr>
+            <a:r>
+              <a:rPr lang="en" sz="1400">
+                <a:solidFill>
+                  <a:srgbClr val="000000"/>
+                </a:solidFill>
+                <a:latin typeface="Consolas"/>
+                <a:ea typeface="Consolas"/>
+                <a:cs typeface="Consolas"/>
+                <a:sym typeface="Consolas"/>
+              </a:rPr>
+              <a:t>&gt; DELETE FROM test_table WHERE id = 1;</a:t>
+            </a:r>
+          </a:p>
+          <a:p>
+            <a:pPr lvl="0" rtl="0">
+              <a:lnSpc>
+                <a:spcPct val="100000"/>
+              </a:lnSpc>
+              <a:spcBef>
+                <a:spcPts val="0"/>
+              </a:spcBef>
+              <a:spcAft>
+                <a:spcPts val="0"/>
+              </a:spcAft>
+              <a:buNone/>
+            </a:pPr>
+            <a:r>
+              <a:rPr lang="en" sz="1400">
+                <a:solidFill>
+                  <a:srgbClr val="000000"/>
+                </a:solidFill>
+                <a:latin typeface="Consolas"/>
+                <a:ea typeface="Consolas"/>
+                <a:cs typeface="Consolas"/>
+                <a:sym typeface="Consolas"/>
+              </a:rPr>
+              <a:t>&gt; SELECT * FROM test_table;</a:t>
+            </a:r>
+          </a:p>
+          <a:p>
+            <a:pPr lvl="0" rtl="0">
+              <a:lnSpc>
+                <a:spcPct val="100000"/>
+              </a:lnSpc>
+              <a:spcBef>
+                <a:spcPts val="0"/>
+              </a:spcBef>
+              <a:spcAft>
+                <a:spcPts val="0"/>
+              </a:spcAft>
+              <a:buNone/>
+            </a:pPr>
+            <a:endParaRPr sz="1400">
+              <a:solidFill>
+                <a:srgbClr val="000000"/>
+              </a:solidFill>
+              <a:latin typeface="Consolas"/>
+              <a:ea typeface="Consolas"/>
+              <a:cs typeface="Consolas"/>
+              <a:sym typeface="Consolas"/>
+            </a:endParaRPr>
+          </a:p>
+          <a:p>
+            <a:pPr lvl="0" rtl="0">
+              <a:lnSpc>
+                <a:spcPct val="100000"/>
+              </a:lnSpc>
+              <a:spcBef>
+                <a:spcPts val="0"/>
+              </a:spcBef>
+              <a:spcAft>
+                <a:spcPts val="0"/>
+              </a:spcAft>
+              <a:buNone/>
+            </a:pPr>
+            <a:r>
+              <a:rPr lang="en" sz="1400">
+                <a:solidFill>
+                  <a:srgbClr val="999999"/>
+                </a:solidFill>
+                <a:latin typeface="Consolas"/>
+                <a:ea typeface="Consolas"/>
+                <a:cs typeface="Consolas"/>
+                <a:sym typeface="Consolas"/>
+              </a:rPr>
+              <a:t># Delete the test_table table</a:t>
+            </a:r>
+          </a:p>
+          <a:p>
+            <a:pPr lvl="0" rtl="0">
+              <a:lnSpc>
+                <a:spcPct val="100000"/>
+              </a:lnSpc>
+              <a:spcBef>
+                <a:spcPts val="0"/>
+              </a:spcBef>
+              <a:spcAft>
+                <a:spcPts val="0"/>
+              </a:spcAft>
+              <a:buNone/>
+            </a:pPr>
+            <a:r>
+              <a:rPr lang="en" sz="1400">
+                <a:solidFill>
+                  <a:srgbClr val="000000"/>
+                </a:solidFill>
+                <a:latin typeface="Consolas"/>
+                <a:ea typeface="Consolas"/>
+                <a:cs typeface="Consolas"/>
+                <a:sym typeface="Consolas"/>
+              </a:rPr>
+              <a:t>&gt; DROP TABLE test_table;</a:t>
+            </a:r>
+          </a:p>
+          <a:p>
+            <a:pPr lvl="0" rtl="0">
+              <a:lnSpc>
+                <a:spcPct val="100000"/>
+              </a:lnSpc>
+              <a:spcBef>
+                <a:spcPts val="0"/>
+              </a:spcBef>
+              <a:spcAft>
+                <a:spcPts val="0"/>
+              </a:spcAft>
+              <a:buNone/>
+            </a:pPr>
+            <a:r>
+              <a:rPr lang="en" sz="1400">
+                <a:solidFill>
+                  <a:srgbClr val="000000"/>
+                </a:solidFill>
+                <a:latin typeface="Consolas"/>
+                <a:ea typeface="Consolas"/>
+                <a:cs typeface="Consolas"/>
+                <a:sym typeface="Consolas"/>
+              </a:rPr>
+              <a:t>&gt; SHOW TABLES;</a:t>
+            </a:r>
+          </a:p>
+          <a:p>
+            <a:pPr lvl="0" rtl="0">
+              <a:lnSpc>
+                <a:spcPct val="100000"/>
+              </a:lnSpc>
+              <a:spcBef>
+                <a:spcPts val="0"/>
+              </a:spcBef>
+              <a:spcAft>
+                <a:spcPts val="0"/>
+              </a:spcAft>
+              <a:buNone/>
+            </a:pPr>
+            <a:endParaRPr sz="1400">
+              <a:solidFill>
+                <a:srgbClr val="000000"/>
+              </a:solidFill>
+              <a:latin typeface="Consolas"/>
+              <a:ea typeface="Consolas"/>
+              <a:cs typeface="Consolas"/>
+              <a:sym typeface="Consolas"/>
+            </a:endParaRPr>
+          </a:p>
+          <a:p>
+            <a:pPr lvl="0" rtl="0">
+              <a:lnSpc>
+                <a:spcPct val="100000"/>
+              </a:lnSpc>
+              <a:spcBef>
+                <a:spcPts val="0"/>
+              </a:spcBef>
+              <a:spcAft>
+                <a:spcPts val="0"/>
+              </a:spcAft>
+              <a:buNone/>
+            </a:pPr>
+            <a:r>
+              <a:rPr lang="en" sz="1400">
+                <a:solidFill>
+                  <a:srgbClr val="999999"/>
+                </a:solidFill>
+                <a:latin typeface="Consolas"/>
+                <a:ea typeface="Consolas"/>
+                <a:cs typeface="Consolas"/>
+                <a:sym typeface="Consolas"/>
+              </a:rPr>
+              <a:t># Delete the test database</a:t>
+            </a:r>
+          </a:p>
+          <a:p>
+            <a:pPr lvl="0" rtl="0">
+              <a:lnSpc>
+                <a:spcPct val="100000"/>
+              </a:lnSpc>
+              <a:spcBef>
+                <a:spcPts val="0"/>
+              </a:spcBef>
+              <a:spcAft>
+                <a:spcPts val="0"/>
+              </a:spcAft>
+              <a:buNone/>
+            </a:pPr>
+            <a:r>
+              <a:rPr lang="en" sz="1400">
+                <a:solidFill>
+                  <a:srgbClr val="000000"/>
+                </a:solidFill>
+                <a:latin typeface="Consolas"/>
+                <a:ea typeface="Consolas"/>
+                <a:cs typeface="Consolas"/>
+                <a:sym typeface="Consolas"/>
+              </a:rPr>
+              <a:t>&gt; DROP DATABASE test;</a:t>
+            </a:r>
+          </a:p>
+          <a:p>
+            <a:pPr lvl="0" rtl="0">
+              <a:lnSpc>
+                <a:spcPct val="100000"/>
+              </a:lnSpc>
+              <a:spcBef>
+                <a:spcPts val="0"/>
+              </a:spcBef>
+              <a:spcAft>
+                <a:spcPts val="0"/>
+              </a:spcAft>
+              <a:buNone/>
+            </a:pPr>
+            <a:r>
+              <a:rPr lang="en" sz="1400">
+                <a:solidFill>
+                  <a:srgbClr val="000000"/>
+                </a:solidFill>
+                <a:latin typeface="Consolas"/>
+                <a:ea typeface="Consolas"/>
+                <a:cs typeface="Consolas"/>
+                <a:sym typeface="Consolas"/>
+              </a:rPr>
+              <a:t>&gt; SHOW DATABASES;</a:t>
+            </a:r>
+          </a:p>
+          <a:p>
+            <a:pPr lvl="0" rtl="0">
+              <a:lnSpc>
+                <a:spcPct val="100000"/>
+              </a:lnSpc>
+              <a:spcBef>
+                <a:spcPts val="0"/>
+              </a:spcBef>
+              <a:spcAft>
+                <a:spcPts val="0"/>
+              </a:spcAft>
+              <a:buNone/>
+            </a:pPr>
+            <a:endParaRPr sz="1400">
+              <a:solidFill>
+                <a:srgbClr val="000000"/>
+              </a:solidFill>
+              <a:latin typeface="Consolas"/>
+              <a:ea typeface="Consolas"/>
+              <a:cs typeface="Consolas"/>
+              <a:sym typeface="Consolas"/>
+            </a:endParaRPr>
+          </a:p>
+        </p:txBody>
+      </p:sp>
+    </p:spTree>
+  </p:cSld>
+  <p:clrMapOvr>
+    <a:masterClrMapping/>
+  </p:clrMapOvr>
+</p:sld>
+</file>
+
+<file path=ppt/slides/slide12.xml><?xml version="1.0" encoding="utf-8"?>
+<p:sld xmlns:a="http://schemas.openxmlformats.org/drawingml/2006/main" xmlns:r="http://schemas.openxmlformats.org/officeDocument/2006/relationships" xmlns:p="http://schemas.openxmlformats.org/presentationml/2006/main">
+  <p:cSld>
+    <p:spTree>
+      <p:nvGrpSpPr>
+        <p:cNvPr id="1" name="Shape 135"/>
+        <p:cNvGrpSpPr/>
+        <p:nvPr/>
+      </p:nvGrpSpPr>
+      <p:grpSpPr>
+        <a:xfrm>
+          <a:off x="0" y="0"/>
+          <a:ext cx="0" cy="0"/>
+          <a:chOff x="0" y="0"/>
+          <a:chExt cx="0" cy="0"/>
+        </a:xfrm>
+      </p:grpSpPr>
+      <p:sp>
+        <p:nvSpPr>
+          <p:cNvPr id="136" name="Shape 136"/>
+          <p:cNvSpPr txBox="1">
+            <a:spLocks noGrp="1"/>
+          </p:cNvSpPr>
+          <p:nvPr>
+            <p:ph type="title"/>
+          </p:nvPr>
+        </p:nvSpPr>
+        <p:spPr>
+          <a:xfrm>
+            <a:off x="311700" y="814800"/>
+            <a:ext cx="8571300" cy="942000"/>
+          </a:xfrm>
+          <a:prstGeom prst="rect">
+            <a:avLst/>
+          </a:prstGeom>
+        </p:spPr>
+        <p:txBody>
+          <a:bodyPr lIns="91425" tIns="91425" rIns="91425" bIns="91425" anchor="ctr" anchorCtr="0">
+            <a:noAutofit/>
+          </a:bodyPr>
+          <a:lstStyle/>
+          <a:p>
+            <a:pPr lvl="0">
+              <a:spcBef>
+                <a:spcPts val="0"/>
+              </a:spcBef>
+              <a:buNone/>
+            </a:pPr>
+            <a:r>
+              <a:rPr lang="en"/>
+              <a:t>That’s it for MySQL!</a:t>
+            </a:r>
+          </a:p>
+        </p:txBody>
+      </p:sp>
+      <p:sp>
+        <p:nvSpPr>
+          <p:cNvPr id="137" name="Shape 137"/>
+          <p:cNvSpPr txBox="1"/>
+          <p:nvPr/>
+        </p:nvSpPr>
+        <p:spPr>
+          <a:xfrm>
+            <a:off x="3302250" y="2578250"/>
+            <a:ext cx="2539500" cy="725400"/>
+          </a:xfrm>
+          <a:prstGeom prst="rect">
+            <a:avLst/>
+          </a:prstGeom>
+          <a:noFill/>
+          <a:ln>
+            <a:noFill/>
+          </a:ln>
+        </p:spPr>
+        <p:txBody>
+          <a:bodyPr lIns="91425" tIns="91425" rIns="91425" bIns="91425" anchor="t" anchorCtr="0">
+            <a:noAutofit/>
+          </a:bodyPr>
+          <a:lstStyle/>
+          <a:p>
+            <a:pPr lvl="0" algn="ctr">
+              <a:spcBef>
+                <a:spcPts val="0"/>
+              </a:spcBef>
+              <a:buNone/>
+            </a:pPr>
+            <a:r>
+              <a:rPr lang="en" sz="1800">
+                <a:solidFill>
+                  <a:srgbClr val="FFFFFF"/>
+                </a:solidFill>
+                <a:latin typeface="Open Sans"/>
+                <a:ea typeface="Open Sans"/>
+                <a:cs typeface="Open Sans"/>
+                <a:sym typeface="Open Sans"/>
+              </a:rPr>
+              <a:t>Any questions?</a:t>
+            </a:r>
+          </a:p>
+        </p:txBody>
+      </p:sp>
+    </p:spTree>
+  </p:cSld>
+  <p:clrMapOvr>
+    <a:masterClrMapping/>
+  </p:clrMapOvr>
+</p:sld>
+</file>
+
+<file path=ppt/slides/slide13.xml><?xml version="1.0" encoding="utf-8"?>
+<p:sld xmlns:a="http://schemas.openxmlformats.org/drawingml/2006/main" xmlns:r="http://schemas.openxmlformats.org/officeDocument/2006/relationships" xmlns:p="http://schemas.openxmlformats.org/presentationml/2006/main">
+  <p:cSld>
+    <p:spTree>
+      <p:nvGrpSpPr>
+        <p:cNvPr id="1" name="Shape 141"/>
+        <p:cNvGrpSpPr/>
+        <p:nvPr/>
+      </p:nvGrpSpPr>
+      <p:grpSpPr>
+        <a:xfrm>
+          <a:off x="0" y="0"/>
+          <a:ext cx="0" cy="0"/>
+          <a:chOff x="0" y="0"/>
+          <a:chExt cx="0" cy="0"/>
+        </a:xfrm>
+      </p:grpSpPr>
+      <p:sp>
+        <p:nvSpPr>
+          <p:cNvPr id="142" name="Shape 142"/>
+          <p:cNvSpPr txBox="1">
+            <a:spLocks noGrp="1"/>
+          </p:cNvSpPr>
+          <p:nvPr>
+            <p:ph type="title"/>
+          </p:nvPr>
+        </p:nvSpPr>
+        <p:spPr>
+          <a:xfrm>
+            <a:off x="311700" y="445025"/>
+            <a:ext cx="8520600" cy="707400"/>
+          </a:xfrm>
+          <a:prstGeom prst="rect">
+            <a:avLst/>
+          </a:prstGeom>
+        </p:spPr>
+        <p:txBody>
+          <a:bodyPr lIns="91425" tIns="91425" rIns="91425" bIns="91425" anchor="t" anchorCtr="0">
+            <a:noAutofit/>
+          </a:bodyPr>
+          <a:lstStyle/>
+          <a:p>
+            <a:pPr lvl="0">
+              <a:spcBef>
+                <a:spcPts val="0"/>
+              </a:spcBef>
+              <a:buNone/>
+            </a:pPr>
+            <a:r>
+              <a:rPr lang="en"/>
+              <a:t>Reference</a:t>
+            </a:r>
+          </a:p>
+        </p:txBody>
+      </p:sp>
+      <p:sp>
+        <p:nvSpPr>
+          <p:cNvPr id="143" name="Shape 143"/>
           <p:cNvSpPr txBox="1">
             <a:spLocks noGrp="1"/>
           </p:cNvSpPr>
@@ -6032,7 +7407,7 @@
           <p:nvPr>
             <p:extLst>
               <p:ext uri="{D42A27DB-BD31-4B8C-83A1-F6EECF244321}">
-                <p14:modId xmlns:p14="http://schemas.microsoft.com/office/powerpoint/2010/main" val="3209324242"/>
+                <p14:modId xmlns:p14="http://schemas.microsoft.com/office/powerpoint/2010/main" val="850275670"/>
               </p:ext>
             </p:extLst>
           </p:nvPr>
@@ -6046,7 +7421,7 @@
             <a:tbl>
               <a:tblPr>
                 <a:noFill/>
-                <a:tableStyleId>{6C58A29F-E1BB-4300-9D92-BD50DE941EE4}</a:tableStyleId>
+                <a:tableStyleId>{E7A1D85E-8A9B-4288-A05B-FFDD2F2C4637}</a:tableStyleId>
               </a:tblPr>
               <a:tblGrid>
                 <a:gridCol w="1131175"/>
@@ -6068,7 +7443,7 @@
                       <a:r>
                         <a:rPr lang="en" b="1" dirty="0">
                           <a:solidFill>
-                            <a:srgbClr val="352E23"/>
+                            <a:schemeClr val="bg2"/>
                           </a:solidFill>
                         </a:rPr>
                         <a:t>First Name</a:t>
@@ -6093,25 +7468,25 @@
                         <a:buNone/>
                       </a:pPr>
                       <a:r>
-                        <a:rPr lang="en" b="1" dirty="0">
+                        <a:rPr lang="en" b="1">
                           <a:solidFill>
-                            <a:srgbClr val="352E23"/>
+                            <a:schemeClr val="bg2"/>
                           </a:solidFill>
                         </a:rPr>
                         <a:t>Last</a:t>
                       </a:r>
                       <a:r>
-                        <a:rPr lang="en" dirty="0">
+                        <a:rPr lang="en">
                           <a:solidFill>
-                            <a:srgbClr val="352E23"/>
+                            <a:schemeClr val="bg2"/>
                           </a:solidFill>
                         </a:rPr>
                         <a:t> </a:t>
                       </a:r>
                       <a:r>
-                        <a:rPr lang="en" b="1" dirty="0">
+                        <a:rPr lang="en" b="1">
                           <a:solidFill>
-                            <a:srgbClr val="352E23"/>
+                            <a:schemeClr val="bg2"/>
                           </a:solidFill>
                         </a:rPr>
                         <a:t>Name</a:t>
@@ -6136,9 +7511,9 @@
                         <a:buNone/>
                       </a:pPr>
                       <a:r>
-                        <a:rPr lang="en" b="1" dirty="0">
+                        <a:rPr lang="en" b="1">
                           <a:solidFill>
-                            <a:srgbClr val="352E23"/>
+                            <a:schemeClr val="bg2"/>
                           </a:solidFill>
                         </a:rPr>
                         <a:t>Age</a:t>
@@ -6167,7 +7542,7 @@
                       <a:r>
                         <a:rPr lang="en">
                           <a:solidFill>
-                            <a:srgbClr val="352E23"/>
+                            <a:schemeClr val="bg2"/>
                           </a:solidFill>
                         </a:rPr>
                         <a:t>John</a:t>
@@ -6190,7 +7565,7 @@
                       <a:r>
                         <a:rPr lang="en">
                           <a:solidFill>
-                            <a:srgbClr val="352E23"/>
+                            <a:schemeClr val="bg2"/>
                           </a:solidFill>
                         </a:rPr>
                         <a:t>Doe</a:t>
@@ -6213,7 +7588,7 @@
                       <a:r>
                         <a:rPr lang="en" dirty="0">
                           <a:solidFill>
-                            <a:srgbClr val="352E23"/>
+                            <a:schemeClr val="bg2"/>
                           </a:solidFill>
                         </a:rPr>
                         <a:t>42</a:t>
@@ -6234,7 +7609,7 @@
           <p:nvPr>
             <p:extLst>
               <p:ext uri="{D42A27DB-BD31-4B8C-83A1-F6EECF244321}">
-                <p14:modId xmlns:p14="http://schemas.microsoft.com/office/powerpoint/2010/main" val="4105624476"/>
+                <p14:modId xmlns:p14="http://schemas.microsoft.com/office/powerpoint/2010/main" val="305160728"/>
               </p:ext>
             </p:extLst>
           </p:nvPr>
@@ -6248,7 +7623,7 @@
             <a:tbl>
               <a:tblPr>
                 <a:noFill/>
-                <a:tableStyleId>{6C58A29F-E1BB-4300-9D92-BD50DE941EE4}</a:tableStyleId>
+                <a:tableStyleId>{E7A1D85E-8A9B-4288-A05B-FFDD2F2C4637}</a:tableStyleId>
               </a:tblPr>
               <a:tblGrid>
                 <a:gridCol w="1207075"/>
@@ -6269,7 +7644,7 @@
                       <a:r>
                         <a:rPr lang="en" b="1" dirty="0">
                           <a:solidFill>
-                            <a:srgbClr val="352E23"/>
+                            <a:srgbClr val="695D46"/>
                           </a:solidFill>
                         </a:rPr>
                         <a:t>Username</a:t>
@@ -6296,7 +7671,7 @@
                       <a:r>
                         <a:rPr lang="en" b="1">
                           <a:solidFill>
-                            <a:srgbClr val="352E23"/>
+                            <a:srgbClr val="695D46"/>
                           </a:solidFill>
                         </a:rPr>
                         <a:t>Manager</a:t>
@@ -6325,7 +7700,7 @@
                       <a:r>
                         <a:rPr lang="en">
                           <a:solidFill>
-                            <a:srgbClr val="352E23"/>
+                            <a:srgbClr val="695D46"/>
                           </a:solidFill>
                         </a:rPr>
                         <a:t>tester1</a:t>
@@ -6348,7 +7723,7 @@
                       <a:r>
                         <a:rPr lang="en">
                           <a:solidFill>
-                            <a:srgbClr val="352E23"/>
+                            <a:srgbClr val="695D46"/>
                           </a:solidFill>
                         </a:rPr>
                         <a:t>manager2</a:t>
@@ -6373,7 +7748,7 @@
                       <a:r>
                         <a:rPr lang="en">
                           <a:solidFill>
-                            <a:srgbClr val="352E23"/>
+                            <a:srgbClr val="695D46"/>
                           </a:solidFill>
                         </a:rPr>
                         <a:t>tester2</a:t>
@@ -6396,7 +7771,7 @@
                       <a:r>
                         <a:rPr lang="en">
                           <a:solidFill>
-                            <a:srgbClr val="352E23"/>
+                            <a:srgbClr val="695D46"/>
                           </a:solidFill>
                         </a:rPr>
                         <a:t>manager2</a:t>
@@ -6421,7 +7796,7 @@
                       <a:r>
                         <a:rPr lang="en">
                           <a:solidFill>
-                            <a:srgbClr val="352E23"/>
+                            <a:srgbClr val="695D46"/>
                           </a:solidFill>
                         </a:rPr>
                         <a:t>tester3</a:t>
@@ -6444,7 +7819,7 @@
                       <a:r>
                         <a:rPr lang="en" dirty="0">
                           <a:solidFill>
-                            <a:srgbClr val="352E23"/>
+                            <a:srgbClr val="695D46"/>
                           </a:solidFill>
                         </a:rPr>
                         <a:t>manager2</a:t>
@@ -6463,6 +7838,13 @@
   <p:clrMapOvr>
     <a:masterClrMapping/>
   </p:clrMapOvr>
+  <p:timing>
+    <p:tnLst>
+      <p:par>
+        <p:cTn xmlns:p14="http://schemas.microsoft.com/office/powerpoint/2010/main" id="1" dur="indefinite" restart="never" nodeType="tmRoot"/>
+      </p:par>
+    </p:tnLst>
+  </p:timing>
 </p:sld>
 </file>
 
@@ -6515,8 +7897,32 @@
               <a:buNone/>
             </a:pPr>
             <a:r>
-              <a:rPr lang="en"/>
-              <a:t>Installing MySQL</a:t>
+              <a:rPr lang="en" dirty="0"/>
+              <a:t>Installing MySQL (1 / 3)       	 		</a:t>
+            </a:r>
+            <a:r>
+              <a:rPr lang="en" dirty="0" smtClean="0"/>
+              <a:t>   </a:t>
+            </a:r>
+            <a:r>
+              <a:rPr lang="en-US" dirty="0" smtClean="0"/>
+              <a:t>    </a:t>
+            </a:r>
+            <a:r>
+              <a:rPr lang="en" dirty="0" smtClean="0">
+                <a:solidFill>
+                  <a:srgbClr val="FF0000"/>
+                </a:solidFill>
+              </a:rPr>
+              <a:t>FOR </a:t>
+            </a:r>
+            <a:r>
+              <a:rPr lang="en" dirty="0">
+                <a:solidFill>
+                  <a:srgbClr val="FF0000"/>
+                </a:solidFill>
+              </a:rPr>
+              <a:t>PC</a:t>
             </a:r>
           </a:p>
         </p:txBody>
@@ -6557,11 +7963,11 @@
               <a:buAutoNum type="arabicPeriod"/>
             </a:pPr>
             <a:r>
-              <a:rPr lang="en" sz="1400"/>
+              <a:rPr lang="en" sz="1400" dirty="0"/>
               <a:t>Go to </a:t>
             </a:r>
             <a:r>
-              <a:rPr lang="en" sz="1400" u="sng">
+              <a:rPr lang="en" sz="1400" u="sng" dirty="0">
                 <a:solidFill>
                   <a:schemeClr val="hlink"/>
                 </a:solidFill>
@@ -6570,8 +7976,8 @@
               <a:t>http://dev.mysql.com/downloads/mysql/</a:t>
             </a:r>
             <a:r>
-              <a:rPr lang="en" sz="1400"/>
-              <a:t> and download the DMG version of MySQL</a:t>
+              <a:rPr lang="en" sz="1400" dirty="0"/>
+              <a:t>, select Microsoft Windows for the operating system, and download the basic 32-bit ZIP Archive version of MySQL.</a:t>
             </a:r>
           </a:p>
           <a:p>
@@ -6586,16 +7992,8 @@
               <a:buAutoNum type="arabicPeriod"/>
             </a:pPr>
             <a:r>
-              <a:rPr lang="en" sz="1400"/>
-              <a:t>Open the DMG file and follow the installation wizard to install. It will give you a temporary password at some point, </a:t>
-            </a:r>
-            <a:r>
-              <a:rPr lang="en" sz="1400" b="1"/>
-              <a:t>save this password somewhere</a:t>
-            </a:r>
-            <a:r>
-              <a:rPr lang="en" sz="1400"/>
-              <a:t>. You’ll need it in a second and then never again.</a:t>
+              <a:rPr lang="en" sz="1400" dirty="0"/>
+              <a:t>Open the ZIP file and follow the installation wizard to install.</a:t>
             </a:r>
           </a:p>
           <a:p>
@@ -6610,124 +8008,21 @@
               <a:buAutoNum type="arabicPeriod"/>
             </a:pPr>
             <a:r>
-              <a:rPr lang="en" sz="1400"/>
-              <a:t>Once the installation is complete, open up System Preferences and start the MySQL server.</a:t>
-            </a:r>
-          </a:p>
-          <a:p>
-            <a:pPr marL="457200" lvl="0" indent="-317500" rtl="0">
-              <a:spcBef>
-                <a:spcPts val="0"/>
-              </a:spcBef>
-              <a:spcAft>
-                <a:spcPts val="0"/>
-              </a:spcAft>
-              <a:buSzPct val="100000"/>
-              <a:buAutoNum type="arabicPeriod"/>
-            </a:pPr>
-            <a:r>
-              <a:rPr lang="en" sz="1400"/>
-              <a:t>Now start up MySQL in your terminal by running </a:t>
-            </a:r>
-            <a:r>
-              <a:rPr lang="en" sz="1400">
-                <a:latin typeface="Courier New"/>
-                <a:ea typeface="Courier New"/>
-                <a:cs typeface="Courier New"/>
-                <a:sym typeface="Courier New"/>
-              </a:rPr>
-              <a:t>mysql -u root -p,</a:t>
-            </a:r>
-            <a:r>
-              <a:rPr lang="en" sz="1400"/>
-              <a:t>and when it prompts you for the password, enter your temporary password</a:t>
-            </a:r>
-          </a:p>
-          <a:p>
-            <a:pPr marL="457200" lvl="0" indent="-317500" rtl="0">
-              <a:spcBef>
-                <a:spcPts val="0"/>
-              </a:spcBef>
-              <a:spcAft>
-                <a:spcPts val="0"/>
-              </a:spcAft>
-              <a:buSzPct val="100000"/>
-              <a:buAutoNum type="arabicPeriod"/>
-            </a:pPr>
-            <a:r>
-              <a:rPr lang="en" sz="1400"/>
-              <a:t>Inside MySQL (as signified by the &gt; in front of your terminal prompt), run </a:t>
-            </a:r>
-            <a:r>
-              <a:rPr lang="en" sz="1400">
-                <a:latin typeface="Courier New"/>
-                <a:ea typeface="Courier New"/>
-                <a:cs typeface="Courier New"/>
-                <a:sym typeface="Courier New"/>
-              </a:rPr>
-              <a:t>SET PASSWORD FOR root@localhost=PASSWORD(''); </a:t>
-            </a:r>
-            <a:r>
-              <a:rPr lang="en" sz="1400"/>
-              <a:t> </a:t>
-            </a:r>
-          </a:p>
-          <a:p>
-            <a:pPr marL="457200" lvl="0" indent="-317500" rtl="0">
-              <a:spcBef>
-                <a:spcPts val="0"/>
-              </a:spcBef>
-              <a:spcAft>
-                <a:spcPts val="0"/>
-              </a:spcAft>
-              <a:buSzPct val="100000"/>
-              <a:buAutoNum type="arabicPeriod"/>
-            </a:pPr>
-            <a:r>
-              <a:rPr lang="en" sz="1400"/>
-              <a:t>Now you should be able to start up MySQL without a password, simply by running </a:t>
-            </a:r>
-            <a:r>
-              <a:rPr lang="en" sz="1400">
-                <a:latin typeface="Courier New"/>
-                <a:ea typeface="Courier New"/>
-                <a:cs typeface="Courier New"/>
-                <a:sym typeface="Courier New"/>
-              </a:rPr>
-              <a:t>mysql -u root</a:t>
-            </a:r>
-          </a:p>
-          <a:p>
-            <a:pPr marL="457200" lvl="0" indent="-317500" rtl="0">
-              <a:spcBef>
-                <a:spcPts val="0"/>
-              </a:spcBef>
-              <a:spcAft>
-                <a:spcPts val="0"/>
-              </a:spcAft>
-              <a:buSzPct val="100000"/>
-              <a:buAutoNum type="arabicPeriod"/>
-            </a:pPr>
-            <a:r>
-              <a:rPr lang="en" sz="1400"/>
-              <a:t>If that still doesn’t work, make sure /usr/local/bin/mysql is in your path.</a:t>
-            </a:r>
-          </a:p>
-          <a:p>
-            <a:pPr marL="457200" lvl="0" indent="-317500" rtl="0">
-              <a:spcBef>
-                <a:spcPts val="0"/>
-              </a:spcBef>
-              <a:spcAft>
-                <a:spcPts val="0"/>
-              </a:spcAft>
-              <a:buSzPct val="100000"/>
-              <a:buAutoNum type="arabicPeriod"/>
-            </a:pPr>
-            <a:r>
-              <a:rPr lang="en" sz="1400"/>
-              <a:t>If everything is working, you may now throw away that temporary password.</a:t>
-            </a:r>
+              <a:rPr lang="en" sz="1400" dirty="0"/>
+              <a:t>When it asks you for a setup type, select “Server only”.</a:t>
+            </a:r>
+          </a:p>
+          <a:p>
+            <a:pPr marL="457200" lvl="0" indent="0" rtl="0">
+              <a:spcBef>
+                <a:spcPts val="0"/>
+              </a:spcBef>
+              <a:spcAft>
+                <a:spcPts val="0"/>
+              </a:spcAft>
+              <a:buNone/>
+            </a:pPr>
+            <a:endParaRPr sz="1400" dirty="0"/>
           </a:p>
           <a:p>
             <a:pPr marL="0" lvl="0" indent="0" rtl="0">
@@ -6739,15 +8034,50 @@
               </a:spcAft>
               <a:buNone/>
             </a:pPr>
-            <a:endParaRPr sz="1400"/>
+            <a:endParaRPr sz="1400" dirty="0"/>
           </a:p>
         </p:txBody>
       </p:sp>
+      <p:pic>
+        <p:nvPicPr>
+          <p:cNvPr id="88" name="Shape 88"/>
+          <p:cNvPicPr preferRelativeResize="0"/>
+          <p:nvPr/>
+        </p:nvPicPr>
+        <p:blipFill>
+          <a:blip r:embed="rId4">
+            <a:alphaModFix/>
+          </a:blip>
+          <a:stretch>
+            <a:fillRect/>
+          </a:stretch>
+        </p:blipFill>
+        <p:spPr>
+          <a:xfrm>
+            <a:off x="878974" y="2450125"/>
+            <a:ext cx="3146824" cy="2355749"/>
+          </a:xfrm>
+          <a:prstGeom prst="rect">
+            <a:avLst/>
+          </a:prstGeom>
+          <a:noFill/>
+          <a:ln>
+            <a:noFill/>
+          </a:ln>
+        </p:spPr>
+      </p:pic>
     </p:spTree>
   </p:cSld>
   <p:clrMapOvr>
     <a:masterClrMapping/>
   </p:clrMapOvr>
+  <p:timing>
+    <p:tnLst>
+      <p:par>
+        <p:cTn xmlns:p14="http://schemas.microsoft.com/office/powerpoint/2010/main" id="1" dur="indefinite" restart="never" nodeType="tmRoot"/>
+      </p:par>
+    </p:tnLst>
+  </p:timing>
 </p:sld>
 </file>
 
@@ -6756,7 +8086,7 @@
   <p:cSld>
     <p:spTree>
       <p:nvGrpSpPr>
-        <p:cNvPr id="1" name="Shape 91"/>
+        <p:cNvPr id="1" name="Shape 92"/>
         <p:cNvGrpSpPr/>
         <p:nvPr/>
       </p:nvGrpSpPr>
@@ -6770,7 +8100,7 @@
       </p:grpSpPr>
       <p:sp>
         <p:nvSpPr>
-          <p:cNvPr id="92" name="Shape 92"/>
+          <p:cNvPr id="93" name="Shape 93"/>
           <p:cNvSpPr txBox="1">
             <a:spLocks noGrp="1"/>
           </p:cNvSpPr>
@@ -6793,22 +8123,38 @@
           </a:bodyPr>
           <a:lstStyle/>
           <a:p>
-            <a:pPr lvl="0">
-              <a:spcBef>
-                <a:spcPts val="0"/>
-              </a:spcBef>
-              <a:buNone/>
-            </a:pPr>
-            <a:r>
-              <a:rPr lang="en"/>
-              <a:t>Basic commands</a:t>
+            <a:pPr lvl="0" rtl="0">
+              <a:spcBef>
+                <a:spcPts val="0"/>
+              </a:spcBef>
+              <a:buNone/>
+            </a:pPr>
+            <a:r>
+              <a:rPr lang="en" dirty="0"/>
+              <a:t>Installing MySQL (2 / 3)                  	       </a:t>
+            </a:r>
+            <a:r>
+              <a:rPr lang="en" dirty="0" smtClean="0">
+                <a:solidFill>
+                  <a:srgbClr val="FF0000"/>
+                </a:solidFill>
+              </a:rPr>
+              <a:t>FOR </a:t>
+            </a:r>
+            <a:r>
+              <a:rPr lang="en" dirty="0">
+                <a:solidFill>
+                  <a:srgbClr val="FF0000"/>
+                </a:solidFill>
+              </a:rPr>
+              <a:t>PC</a:t>
             </a:r>
           </a:p>
         </p:txBody>
       </p:sp>
       <p:sp>
         <p:nvSpPr>
-          <p:cNvPr id="93" name="Shape 93"/>
+          <p:cNvPr id="94" name="Shape 94"/>
           <p:cNvSpPr txBox="1">
             <a:spLocks noGrp="1"/>
           </p:cNvSpPr>
@@ -6831,140 +8177,63 @@
           </a:bodyPr>
           <a:lstStyle/>
           <a:p>
-            <a:pPr marL="514350" lvl="0" indent="-285750">
-              <a:spcBef>
-                <a:spcPts val="0"/>
-              </a:spcBef>
-              <a:spcAft>
-                <a:spcPts val="1000"/>
-              </a:spcAft>
-              <a:buFont typeface="Arial"/>
-              <a:buChar char="•"/>
-            </a:pPr>
-            <a:r>
-              <a:rPr lang="en" dirty="0"/>
-              <a:t>The way you interact with a MySQL server is through SQL commands. </a:t>
-            </a:r>
-          </a:p>
-          <a:p>
-            <a:pPr marL="514350" lvl="0" indent="-285750">
-              <a:spcBef>
-                <a:spcPts val="0"/>
-              </a:spcBef>
-              <a:spcAft>
-                <a:spcPts val="1000"/>
-              </a:spcAft>
-              <a:buFont typeface="Arial"/>
-              <a:buChar char="•"/>
-            </a:pPr>
-            <a:r>
-              <a:rPr lang="en" dirty="0"/>
-              <a:t>To be very clear: </a:t>
-            </a:r>
-            <a:r>
-              <a:rPr lang="en" b="1" dirty="0"/>
-              <a:t>MySQL is a database manager, SQL is the language to interact with it</a:t>
-            </a:r>
-            <a:r>
-              <a:rPr lang="en" dirty="0"/>
-              <a:t>.</a:t>
-            </a:r>
-          </a:p>
-          <a:p>
-            <a:pPr marL="514350" lvl="0" indent="-285750" rtl="0">
-              <a:spcBef>
-                <a:spcPts val="0"/>
-              </a:spcBef>
-              <a:spcAft>
-                <a:spcPts val="1000"/>
-              </a:spcAft>
-              <a:buFont typeface="Arial"/>
-              <a:buChar char="•"/>
-            </a:pPr>
-            <a:r>
-              <a:rPr lang="en" dirty="0"/>
-              <a:t>SQL commands are actually pretty human readable. Queries generally follow a SELECT </a:t>
-            </a:r>
-            <a:r>
-              <a:rPr lang="en" i="1" dirty="0"/>
-              <a:t>some attributes</a:t>
-            </a:r>
-            <a:r>
-              <a:rPr lang="en" dirty="0"/>
-              <a:t> FROM </a:t>
-            </a:r>
-            <a:r>
-              <a:rPr lang="en" i="1" dirty="0"/>
-              <a:t>some table</a:t>
-            </a:r>
-            <a:r>
-              <a:rPr lang="en" dirty="0"/>
-              <a:t> WHERE </a:t>
-            </a:r>
-            <a:r>
-              <a:rPr lang="en" i="1" dirty="0"/>
-              <a:t>some case holds true</a:t>
-            </a:r>
-            <a:r>
-              <a:rPr lang="en" dirty="0"/>
-              <a:t> pattern.</a:t>
-            </a:r>
-          </a:p>
-          <a:p>
-            <a:pPr marL="971550" lvl="1" indent="-285750" rtl="0">
-              <a:spcBef>
-                <a:spcPts val="0"/>
-              </a:spcBef>
-              <a:spcAft>
-                <a:spcPts val="1000"/>
-              </a:spcAft>
-              <a:buFont typeface="Arial"/>
-              <a:buChar char="•"/>
-            </a:pPr>
-            <a:r>
-              <a:rPr lang="en" dirty="0"/>
-              <a:t>Some keywords will be in all caps, which doesn’t matter -- it just improves readability</a:t>
-            </a:r>
-          </a:p>
-          <a:p>
-            <a:pPr marL="971550" lvl="1" indent="-285750" rtl="0">
-              <a:spcBef>
-                <a:spcPts val="0"/>
-              </a:spcBef>
-              <a:spcAft>
-                <a:spcPts val="1000"/>
-              </a:spcAft>
-              <a:buFont typeface="Arial"/>
-              <a:buChar char="•"/>
-            </a:pPr>
-            <a:r>
-              <a:rPr lang="en" dirty="0"/>
-              <a:t>Most commands end with a ;</a:t>
-            </a:r>
-          </a:p>
-          <a:p>
-            <a:pPr marL="514350" lvl="0" indent="-285750" rtl="0">
-              <a:spcBef>
-                <a:spcPts val="0"/>
-              </a:spcBef>
-              <a:spcAft>
-                <a:spcPts val="1000"/>
-              </a:spcAft>
-              <a:buFont typeface="Arial"/>
-              <a:buChar char="•"/>
-            </a:pPr>
-            <a:r>
-              <a:rPr lang="en" dirty="0"/>
-              <a:t>Follow along while we go through some basic commands!</a:t>
+            <a:pPr marL="457200" lvl="0" indent="-317500" rtl="0">
+              <a:spcBef>
+                <a:spcPts val="0"/>
+              </a:spcBef>
+              <a:spcAft>
+                <a:spcPts val="0"/>
+              </a:spcAft>
+              <a:buSzPct val="100000"/>
+              <a:buAutoNum type="arabicPeriod"/>
+            </a:pPr>
+            <a:r>
+              <a:rPr lang="en" sz="1400"/>
+              <a:t>When you get to Accounts and Roles, set a simple password (we will be getting rid of it shortly).</a:t>
             </a:r>
           </a:p>
         </p:txBody>
       </p:sp>
+      <p:pic>
+        <p:nvPicPr>
+          <p:cNvPr id="95" name="Shape 95"/>
+          <p:cNvPicPr preferRelativeResize="0"/>
+          <p:nvPr/>
+        </p:nvPicPr>
+        <p:blipFill>
+          <a:blip r:embed="rId3">
+            <a:alphaModFix/>
+          </a:blip>
+          <a:stretch>
+            <a:fillRect/>
+          </a:stretch>
+        </p:blipFill>
+        <p:spPr>
+          <a:xfrm>
+            <a:off x="900100" y="1666224"/>
+            <a:ext cx="3877569" cy="2902800"/>
+          </a:xfrm>
+          <a:prstGeom prst="rect">
+            <a:avLst/>
+          </a:prstGeom>
+          <a:noFill/>
+          <a:ln>
+            <a:noFill/>
+          </a:ln>
+        </p:spPr>
+      </p:pic>
     </p:spTree>
   </p:cSld>
   <p:clrMapOvr>
     <a:masterClrMapping/>
   </p:clrMapOvr>
+  <p:timing>
+    <p:tnLst>
+      <p:par>
+        <p:cTn xmlns:p14="http://schemas.microsoft.com/office/powerpoint/2010/main" id="1" dur="indefinite" restart="never" nodeType="tmRoot"/>
+      </p:par>
+    </p:tnLst>
+  </p:timing>
 </p:sld>
 </file>
 
@@ -6973,7 +8242,7 @@
   <p:cSld>
     <p:spTree>
       <p:nvGrpSpPr>
-        <p:cNvPr id="1" name="Shape 97"/>
+        <p:cNvPr id="1" name="Shape 99"/>
         <p:cNvGrpSpPr/>
         <p:nvPr/>
       </p:nvGrpSpPr>
@@ -6987,7 +8256,7 @@
       </p:grpSpPr>
       <p:sp>
         <p:nvSpPr>
-          <p:cNvPr id="98" name="Shape 98"/>
+          <p:cNvPr id="100" name="Shape 100"/>
           <p:cNvSpPr txBox="1">
             <a:spLocks noGrp="1"/>
           </p:cNvSpPr>
@@ -7010,22 +8279,38 @@
           </a:bodyPr>
           <a:lstStyle/>
           <a:p>
-            <a:pPr lvl="0">
-              <a:spcBef>
-                <a:spcPts val="0"/>
-              </a:spcBef>
-              <a:buNone/>
-            </a:pPr>
-            <a:r>
-              <a:rPr lang="en"/>
-              <a:t>Creating a database and table</a:t>
+            <a:pPr lvl="0" rtl="0">
+              <a:spcBef>
+                <a:spcPts val="0"/>
+              </a:spcBef>
+              <a:buNone/>
+            </a:pPr>
+            <a:r>
+              <a:rPr lang="en" dirty="0"/>
+              <a:t>Installing MySQL (3 / 3)                  	       </a:t>
+            </a:r>
+            <a:r>
+              <a:rPr lang="en" dirty="0" smtClean="0">
+                <a:solidFill>
+                  <a:srgbClr val="FF0000"/>
+                </a:solidFill>
+              </a:rPr>
+              <a:t>FOR </a:t>
+            </a:r>
+            <a:r>
+              <a:rPr lang="en" dirty="0">
+                <a:solidFill>
+                  <a:srgbClr val="FF0000"/>
+                </a:solidFill>
+              </a:rPr>
+              <a:t>PC</a:t>
             </a:r>
           </a:p>
         </p:txBody>
       </p:sp>
       <p:sp>
         <p:nvSpPr>
-          <p:cNvPr id="99" name="Shape 99"/>
+          <p:cNvPr id="101" name="Shape 101"/>
           <p:cNvSpPr txBox="1">
             <a:spLocks noGrp="1"/>
           </p:cNvSpPr>
@@ -7048,488 +8333,124 @@
           </a:bodyPr>
           <a:lstStyle/>
           <a:p>
-            <a:pPr lvl="0" rtl="0">
-              <a:lnSpc>
-                <a:spcPct val="100000"/>
-              </a:lnSpc>
-              <a:spcBef>
-                <a:spcPts val="0"/>
-              </a:spcBef>
-              <a:spcAft>
-                <a:spcPts val="0"/>
-              </a:spcAft>
-              <a:buNone/>
-            </a:pPr>
-            <a:r>
-              <a:rPr lang="en" dirty="0">
-                <a:solidFill>
-                  <a:srgbClr val="000000"/>
+            <a:pPr marL="457200" lvl="0" indent="-317500" rtl="0">
+              <a:spcBef>
+                <a:spcPts val="0"/>
+              </a:spcBef>
+              <a:spcAft>
+                <a:spcPts val="0"/>
+              </a:spcAft>
+              <a:buSzPct val="100000"/>
+              <a:buAutoNum type="arabicPeriod"/>
+            </a:pPr>
+            <a:r>
+              <a:rPr lang="en" sz="1400"/>
+              <a:t>Once the installation is complete, open the MySQL Command Line Client.</a:t>
+            </a:r>
+          </a:p>
+          <a:p>
+            <a:pPr marL="457200" lvl="0" indent="-317500" rtl="0">
+              <a:spcBef>
+                <a:spcPts val="0"/>
+              </a:spcBef>
+              <a:spcAft>
+                <a:spcPts val="0"/>
+              </a:spcAft>
+              <a:buSzPct val="100000"/>
+              <a:buAutoNum type="arabicPeriod"/>
+            </a:pPr>
+            <a:r>
+              <a:rPr lang="en" sz="1400"/>
+              <a:t>When it prompts you for the password, enter the password you set in the installation wizard.</a:t>
+            </a:r>
+          </a:p>
+          <a:p>
+            <a:pPr marL="457200" lvl="0" indent="-317500" rtl="0">
+              <a:spcBef>
+                <a:spcPts val="0"/>
+              </a:spcBef>
+              <a:spcAft>
+                <a:spcPts val="0"/>
+              </a:spcAft>
+              <a:buSzPct val="100000"/>
+              <a:buAutoNum type="arabicPeriod"/>
+            </a:pPr>
+            <a:r>
+              <a:rPr lang="en" sz="1400"/>
+              <a:t>Inside MySQL (as signified by the &gt; in front of your terminal prompt), run </a:t>
+            </a:r>
+            <a:r>
+              <a:rPr lang="en" sz="1400">
+                <a:solidFill>
+                  <a:schemeClr val="accent1"/>
                 </a:solidFill>
                 <a:latin typeface="Consolas"/>
-                <a:ea typeface="Source Code Pro"/>
+                <a:ea typeface="Consolas"/>
                 <a:cs typeface="Consolas"/>
-                <a:sym typeface="Source Code Pro"/>
+                <a:sym typeface="Consolas"/>
               </a:rPr>
-              <a:t>&gt; SHOW DATABASES;</a:t>
-            </a:r>
-            <a:r>
-              <a:rPr lang="en" dirty="0">
-                <a:latin typeface="Consolas"/>
-                <a:ea typeface="Source Code Pro"/>
-                <a:cs typeface="Consolas"/>
-                <a:sym typeface="Source Code Pro"/>
-              </a:rPr>
-              <a:t>        </a:t>
-            </a:r>
-            <a:r>
-              <a:rPr lang="en-US" dirty="0" smtClean="0">
-                <a:latin typeface="Consolas"/>
-                <a:ea typeface="Source Code Pro"/>
-                <a:cs typeface="Consolas"/>
-                <a:sym typeface="Source Code Pro"/>
-              </a:rPr>
-              <a:t>  </a:t>
-            </a:r>
-            <a:r>
-              <a:rPr lang="en" dirty="0" smtClean="0">
-                <a:solidFill>
-                  <a:srgbClr val="999999"/>
-                </a:solidFill>
-                <a:latin typeface="Consolas"/>
-                <a:ea typeface="Source Code Pro"/>
-                <a:cs typeface="Consolas"/>
-                <a:sym typeface="Source Code Pro"/>
-              </a:rPr>
-              <a:t># </a:t>
-            </a:r>
-            <a:r>
-              <a:rPr lang="en" dirty="0">
-                <a:solidFill>
-                  <a:srgbClr val="999999"/>
-                </a:solidFill>
-                <a:latin typeface="Consolas"/>
-                <a:ea typeface="Source Code Pro"/>
-                <a:cs typeface="Consolas"/>
-                <a:sym typeface="Source Code Pro"/>
-              </a:rPr>
-              <a:t>lists all databases</a:t>
-            </a:r>
-          </a:p>
-          <a:p>
-            <a:pPr lvl="0">
-              <a:lnSpc>
-                <a:spcPct val="100000"/>
-              </a:lnSpc>
-              <a:spcBef>
-                <a:spcPts val="0"/>
-              </a:spcBef>
-              <a:spcAft>
-                <a:spcPts val="0"/>
-              </a:spcAft>
-              <a:buNone/>
-            </a:pPr>
-            <a:r>
-              <a:rPr lang="en" dirty="0">
-                <a:solidFill>
-                  <a:srgbClr val="000000"/>
-                </a:solidFill>
-                <a:latin typeface="Consolas"/>
-                <a:ea typeface="Source Code Pro"/>
-                <a:cs typeface="Consolas"/>
-                <a:sym typeface="Source Code Pro"/>
-              </a:rPr>
-              <a:t>&gt; CREATE DATABASE test;  </a:t>
-            </a:r>
-            <a:r>
-              <a:rPr lang="en-US" dirty="0" smtClean="0">
-                <a:solidFill>
-                  <a:srgbClr val="000000"/>
-                </a:solidFill>
-                <a:latin typeface="Consolas"/>
-                <a:ea typeface="Source Code Pro"/>
-                <a:cs typeface="Consolas"/>
-                <a:sym typeface="Source Code Pro"/>
-              </a:rPr>
-              <a:t>  </a:t>
-            </a:r>
-            <a:r>
-              <a:rPr lang="en" dirty="0" smtClean="0">
-                <a:solidFill>
-                  <a:srgbClr val="999999"/>
-                </a:solidFill>
-                <a:latin typeface="Consolas"/>
-                <a:ea typeface="Source Code Pro"/>
-                <a:cs typeface="Consolas"/>
-                <a:sym typeface="Source Code Pro"/>
-              </a:rPr>
-              <a:t># </a:t>
-            </a:r>
-            <a:r>
-              <a:rPr lang="en" dirty="0">
-                <a:solidFill>
-                  <a:srgbClr val="999999"/>
-                </a:solidFill>
-                <a:latin typeface="Consolas"/>
-                <a:ea typeface="Source Code Pro"/>
-                <a:cs typeface="Consolas"/>
-                <a:sym typeface="Source Code Pro"/>
-              </a:rPr>
-              <a:t>create a database named test</a:t>
-            </a:r>
-          </a:p>
-          <a:p>
-            <a:pPr lvl="0" rtl="0">
-              <a:lnSpc>
-                <a:spcPct val="100000"/>
-              </a:lnSpc>
-              <a:spcBef>
-                <a:spcPts val="0"/>
-              </a:spcBef>
-              <a:spcAft>
-                <a:spcPts val="0"/>
-              </a:spcAft>
-              <a:buNone/>
-            </a:pPr>
-            <a:r>
-              <a:rPr lang="en" dirty="0">
-                <a:solidFill>
-                  <a:srgbClr val="000000"/>
-                </a:solidFill>
-                <a:latin typeface="Consolas"/>
-                <a:ea typeface="Source Code Pro"/>
-                <a:cs typeface="Consolas"/>
-                <a:sym typeface="Source Code Pro"/>
-              </a:rPr>
-              <a:t>&gt; USE test;              </a:t>
-            </a:r>
-            <a:r>
-              <a:rPr lang="en-US" dirty="0" smtClean="0">
-                <a:solidFill>
-                  <a:srgbClr val="000000"/>
-                </a:solidFill>
-                <a:latin typeface="Consolas"/>
-                <a:ea typeface="Source Code Pro"/>
-                <a:cs typeface="Consolas"/>
-                <a:sym typeface="Source Code Pro"/>
-              </a:rPr>
-              <a:t>  </a:t>
-            </a:r>
-            <a:r>
-              <a:rPr lang="en" dirty="0" smtClean="0">
-                <a:solidFill>
-                  <a:srgbClr val="999999"/>
-                </a:solidFill>
-                <a:latin typeface="Consolas"/>
-                <a:ea typeface="Source Code Pro"/>
-                <a:cs typeface="Consolas"/>
-                <a:sym typeface="Source Code Pro"/>
-              </a:rPr>
-              <a:t># </a:t>
-            </a:r>
-            <a:r>
-              <a:rPr lang="en" dirty="0">
-                <a:solidFill>
-                  <a:srgbClr val="999999"/>
-                </a:solidFill>
-                <a:latin typeface="Consolas"/>
-                <a:ea typeface="Source Code Pro"/>
-                <a:cs typeface="Consolas"/>
-                <a:sym typeface="Source Code Pro"/>
-              </a:rPr>
-              <a:t>make test the active database   </a:t>
-            </a:r>
-          </a:p>
-          <a:p>
-            <a:pPr lvl="0" rtl="0">
-              <a:lnSpc>
-                <a:spcPct val="100000"/>
-              </a:lnSpc>
-              <a:spcBef>
-                <a:spcPts val="0"/>
-              </a:spcBef>
-              <a:spcAft>
-                <a:spcPts val="0"/>
-              </a:spcAft>
-              <a:buNone/>
-            </a:pPr>
-            <a:r>
-              <a:rPr lang="en" dirty="0">
-                <a:solidFill>
-                  <a:srgbClr val="000000"/>
-                </a:solidFill>
-                <a:latin typeface="Consolas"/>
-                <a:ea typeface="Source Code Pro"/>
-                <a:cs typeface="Consolas"/>
-                <a:sym typeface="Source Code Pro"/>
-              </a:rPr>
-              <a:t>&gt; CREATE TABLE test_table (</a:t>
-            </a:r>
-          </a:p>
-          <a:p>
-            <a:pPr lvl="0" rtl="0">
-              <a:lnSpc>
-                <a:spcPct val="100000"/>
-              </a:lnSpc>
-              <a:spcBef>
-                <a:spcPts val="0"/>
-              </a:spcBef>
-              <a:spcAft>
-                <a:spcPts val="0"/>
-              </a:spcAft>
-              <a:buNone/>
-            </a:pPr>
-            <a:r>
-              <a:rPr lang="en" dirty="0">
-                <a:solidFill>
-                  <a:srgbClr val="000000"/>
-                </a:solidFill>
-                <a:latin typeface="Consolas"/>
-                <a:ea typeface="Source Code Pro"/>
-                <a:cs typeface="Consolas"/>
-                <a:sym typeface="Source Code Pro"/>
-              </a:rPr>
-              <a:t>    id INTEGER NOT NULL AUTO_INCREMENT,</a:t>
-            </a:r>
-          </a:p>
-          <a:p>
-            <a:pPr lvl="0" rtl="0">
-              <a:lnSpc>
-                <a:spcPct val="100000"/>
-              </a:lnSpc>
-              <a:spcBef>
-                <a:spcPts val="0"/>
-              </a:spcBef>
-              <a:spcAft>
-                <a:spcPts val="0"/>
-              </a:spcAft>
-              <a:buNone/>
-            </a:pPr>
-            <a:r>
-              <a:rPr lang="en" dirty="0">
-                <a:solidFill>
-                  <a:srgbClr val="000000"/>
-                </a:solidFill>
-                <a:latin typeface="Consolas"/>
-                <a:ea typeface="Source Code Pro"/>
-                <a:cs typeface="Consolas"/>
-                <a:sym typeface="Source Code Pro"/>
-              </a:rPr>
-              <a:t>    user VARCHAR(15) NOT NULL, </a:t>
-            </a:r>
-          </a:p>
-          <a:p>
-            <a:pPr lvl="0" rtl="0">
-              <a:lnSpc>
-                <a:spcPct val="100000"/>
-              </a:lnSpc>
-              <a:spcBef>
-                <a:spcPts val="0"/>
-              </a:spcBef>
-              <a:spcAft>
-                <a:spcPts val="0"/>
-              </a:spcAft>
-              <a:buNone/>
-            </a:pPr>
-            <a:r>
-              <a:rPr lang="en" dirty="0">
-                <a:solidFill>
-                  <a:srgbClr val="000000"/>
-                </a:solidFill>
-                <a:latin typeface="Consolas"/>
-                <a:ea typeface="Source Code Pro"/>
-                <a:cs typeface="Consolas"/>
-                <a:sym typeface="Source Code Pro"/>
-              </a:rPr>
-              <a:t>    PRIMARY KEY (id), </a:t>
-            </a:r>
-          </a:p>
-          <a:p>
-            <a:pPr lvl="0" rtl="0">
-              <a:lnSpc>
-                <a:spcPct val="100000"/>
-              </a:lnSpc>
-              <a:spcBef>
-                <a:spcPts val="0"/>
-              </a:spcBef>
-              <a:spcAft>
-                <a:spcPts val="0"/>
-              </a:spcAft>
-              <a:buNone/>
-            </a:pPr>
-            <a:r>
-              <a:rPr lang="en" dirty="0">
-                <a:solidFill>
-                  <a:srgbClr val="000000"/>
-                </a:solidFill>
-                <a:latin typeface="Consolas"/>
-                <a:ea typeface="Source Code Pro"/>
-                <a:cs typeface="Consolas"/>
-                <a:sym typeface="Source Code Pro"/>
-              </a:rPr>
-              <a:t>    UNIQUE (user)</a:t>
-            </a:r>
-          </a:p>
-          <a:p>
-            <a:pPr lvl="0" rtl="0">
-              <a:lnSpc>
-                <a:spcPct val="100000"/>
-              </a:lnSpc>
-              <a:spcBef>
-                <a:spcPts val="0"/>
-              </a:spcBef>
-              <a:spcAft>
-                <a:spcPts val="0"/>
-              </a:spcAft>
-              <a:buNone/>
-            </a:pPr>
-            <a:r>
-              <a:rPr lang="en" dirty="0">
-                <a:solidFill>
-                  <a:srgbClr val="000000"/>
-                </a:solidFill>
-                <a:latin typeface="Consolas"/>
-                <a:ea typeface="Source Code Pro"/>
-                <a:cs typeface="Consolas"/>
-                <a:sym typeface="Source Code Pro"/>
-              </a:rPr>
-              <a:t>  );</a:t>
-            </a:r>
-          </a:p>
-          <a:p>
-            <a:pPr lvl="0" rtl="0">
-              <a:lnSpc>
-                <a:spcPct val="100000"/>
-              </a:lnSpc>
-              <a:spcBef>
-                <a:spcPts val="0"/>
-              </a:spcBef>
-              <a:spcAft>
-                <a:spcPts val="0"/>
-              </a:spcAft>
-              <a:buNone/>
-            </a:pPr>
-            <a:r>
-              <a:rPr lang="en" dirty="0">
-                <a:solidFill>
-                  <a:srgbClr val="000000"/>
-                </a:solidFill>
-                <a:latin typeface="Consolas"/>
-                <a:ea typeface="Source Code Pro"/>
-                <a:cs typeface="Consolas"/>
-                <a:sym typeface="Source Code Pro"/>
-              </a:rPr>
-              <a:t>&gt; SHOW TABLES;	</a:t>
-            </a:r>
-            <a:r>
-              <a:rPr lang="en-US" dirty="0">
-                <a:solidFill>
-                  <a:srgbClr val="000000"/>
-                </a:solidFill>
-                <a:latin typeface="Consolas"/>
-                <a:ea typeface="Source Code Pro"/>
-                <a:cs typeface="Consolas"/>
-                <a:sym typeface="Source Code Pro"/>
-              </a:rPr>
-              <a:t> </a:t>
-            </a:r>
-            <a:r>
-              <a:rPr lang="en-US" dirty="0" smtClean="0">
-                <a:solidFill>
-                  <a:srgbClr val="000000"/>
-                </a:solidFill>
-                <a:latin typeface="Consolas"/>
-                <a:ea typeface="Source Code Pro"/>
-                <a:cs typeface="Consolas"/>
-                <a:sym typeface="Source Code Pro"/>
-              </a:rPr>
-              <a:t>           </a:t>
-            </a:r>
-            <a:r>
-              <a:rPr lang="en" dirty="0" smtClean="0">
-                <a:solidFill>
-                  <a:srgbClr val="999999"/>
-                </a:solidFill>
-                <a:latin typeface="Consolas"/>
-                <a:ea typeface="Source Code Pro"/>
-                <a:cs typeface="Consolas"/>
-                <a:sym typeface="Source Code Pro"/>
-              </a:rPr>
-              <a:t># </a:t>
-            </a:r>
-            <a:r>
-              <a:rPr lang="en" dirty="0">
-                <a:solidFill>
-                  <a:srgbClr val="999999"/>
-                </a:solidFill>
-                <a:latin typeface="Consolas"/>
-                <a:ea typeface="Source Code Pro"/>
-                <a:cs typeface="Consolas"/>
-                <a:sym typeface="Source Code Pro"/>
-              </a:rPr>
-              <a:t>show the tables in the database</a:t>
-            </a:r>
-          </a:p>
-          <a:p>
-            <a:pPr lvl="0" rtl="0">
-              <a:lnSpc>
-                <a:spcPct val="100000"/>
-              </a:lnSpc>
-              <a:spcBef>
-                <a:spcPts val="0"/>
-              </a:spcBef>
-              <a:spcAft>
-                <a:spcPts val="0"/>
-              </a:spcAft>
-              <a:buNone/>
-            </a:pPr>
-            <a:r>
-              <a:rPr lang="en" dirty="0">
-                <a:solidFill>
-                  <a:srgbClr val="000000"/>
-                </a:solidFill>
-                <a:latin typeface="Consolas"/>
-                <a:ea typeface="Source Code Pro"/>
-                <a:cs typeface="Consolas"/>
-                <a:sym typeface="Source Code Pro"/>
-              </a:rPr>
-              <a:t>&gt; DESC test_table;       </a:t>
-            </a:r>
-            <a:r>
-              <a:rPr lang="en-US" dirty="0" smtClean="0">
-                <a:solidFill>
-                  <a:srgbClr val="000000"/>
-                </a:solidFill>
-                <a:latin typeface="Consolas"/>
-                <a:ea typeface="Source Code Pro"/>
-                <a:cs typeface="Consolas"/>
-                <a:sym typeface="Source Code Pro"/>
-              </a:rPr>
-              <a:t> </a:t>
-            </a:r>
-            <a:r>
-              <a:rPr lang="en" dirty="0" smtClean="0">
-                <a:solidFill>
-                  <a:srgbClr val="999999"/>
-                </a:solidFill>
-                <a:latin typeface="Consolas"/>
-                <a:ea typeface="Source Code Pro"/>
-                <a:cs typeface="Consolas"/>
-                <a:sym typeface="Source Code Pro"/>
-              </a:rPr>
-              <a:t># </a:t>
-            </a:r>
-            <a:r>
-              <a:rPr lang="en" dirty="0">
-                <a:solidFill>
-                  <a:srgbClr val="999999"/>
-                </a:solidFill>
-                <a:latin typeface="Consolas"/>
-                <a:ea typeface="Source Code Pro"/>
-                <a:cs typeface="Consolas"/>
-                <a:sym typeface="Source Code Pro"/>
-              </a:rPr>
-              <a:t>describe the test_table</a:t>
-            </a:r>
+              <a:t>SET PASSWORD FOR root@localhost=PASSWORD('');  </a:t>
+            </a:r>
+          </a:p>
+          <a:p>
+            <a:pPr marL="457200" lvl="0" indent="-317500" rtl="0">
+              <a:spcBef>
+                <a:spcPts val="0"/>
+              </a:spcBef>
+              <a:spcAft>
+                <a:spcPts val="0"/>
+              </a:spcAft>
+              <a:buSzPct val="100000"/>
+              <a:buAutoNum type="arabicPeriod"/>
+            </a:pPr>
+            <a:r>
+              <a:rPr lang="en" sz="1400"/>
+              <a:t>Close the MySQL Command Line Client window.</a:t>
+            </a:r>
+          </a:p>
+          <a:p>
+            <a:pPr marL="457200" lvl="0" indent="-317500" rtl="0">
+              <a:spcBef>
+                <a:spcPts val="0"/>
+              </a:spcBef>
+              <a:spcAft>
+                <a:spcPts val="0"/>
+              </a:spcAft>
+              <a:buSzPct val="100000"/>
+              <a:buAutoNum type="arabicPeriod"/>
+            </a:pPr>
+            <a:r>
+              <a:rPr lang="en" sz="1400"/>
+              <a:t>Now you should be able to start up MySQL without a password; simply hit enter after you open the MySQL Command Line Client again.</a:t>
+            </a:r>
+          </a:p>
+          <a:p>
+            <a:pPr marL="457200" lvl="0" indent="-317500" rtl="0">
+              <a:spcBef>
+                <a:spcPts val="0"/>
+              </a:spcBef>
+              <a:spcAft>
+                <a:spcPts val="0"/>
+              </a:spcAft>
+              <a:buSzPct val="100000"/>
+              <a:buAutoNum type="arabicPeriod"/>
+            </a:pPr>
+            <a:r>
+              <a:rPr lang="en" sz="1400"/>
+              <a:t>If everything is working, you may now throw away the temporary password.</a:t>
+            </a:r>
+          </a:p>
+          <a:p>
+            <a:pPr marL="0" lvl="0" indent="0" rtl="0">
+              <a:spcBef>
+                <a:spcPts val="0"/>
+              </a:spcBef>
+              <a:spcAft>
+                <a:spcPts val="0"/>
+              </a:spcAft>
+              <a:buNone/>
+            </a:pPr>
+            <a:endParaRPr sz="1400"/>
           </a:p>
         </p:txBody>
       </p:sp>
@@ -7546,7 +8467,7 @@
   <p:cSld>
     <p:spTree>
       <p:nvGrpSpPr>
-        <p:cNvPr id="1" name="Shape 103"/>
+        <p:cNvPr id="1" name="Shape 105"/>
         <p:cNvGrpSpPr/>
         <p:nvPr/>
       </p:nvGrpSpPr>
@@ -7560,7 +8481,7 @@
       </p:grpSpPr>
       <p:sp>
         <p:nvSpPr>
-          <p:cNvPr id="104" name="Shape 104"/>
+          <p:cNvPr id="106" name="Shape 106"/>
           <p:cNvSpPr txBox="1">
             <a:spLocks noGrp="1"/>
           </p:cNvSpPr>
@@ -7583,22 +8504,42 @@
           </a:bodyPr>
           <a:lstStyle/>
           <a:p>
-            <a:pPr lvl="0">
-              <a:spcBef>
-                <a:spcPts val="0"/>
-              </a:spcBef>
-              <a:buNone/>
-            </a:pPr>
-            <a:r>
-              <a:rPr lang="en"/>
-              <a:t>Insert/Update/Delete/Query a record</a:t>
+            <a:pPr lvl="0" rtl="0">
+              <a:spcBef>
+                <a:spcPts val="0"/>
+              </a:spcBef>
+              <a:buNone/>
+            </a:pPr>
+            <a:r>
+              <a:rPr lang="en" dirty="0"/>
+              <a:t>Installing MySQL                  	 			</a:t>
+            </a:r>
+            <a:r>
+              <a:rPr lang="en-US" dirty="0" smtClean="0"/>
+              <a:t>    </a:t>
+            </a:r>
+            <a:r>
+              <a:rPr lang="en" dirty="0" smtClean="0">
+                <a:solidFill>
+                  <a:srgbClr val="FF0000"/>
+                </a:solidFill>
+              </a:rPr>
+              <a:t>FOR </a:t>
+            </a:r>
+            <a:r>
+              <a:rPr lang="en" dirty="0">
+                <a:solidFill>
+                  <a:srgbClr val="FF0000"/>
+                </a:solidFill>
+              </a:rPr>
+              <a:t>MAC</a:t>
             </a:r>
           </a:p>
         </p:txBody>
       </p:sp>
       <p:sp>
         <p:nvSpPr>
-          <p:cNvPr id="105" name="Shape 105"/>
+          <p:cNvPr id="107" name="Shape 107"/>
           <p:cNvSpPr txBox="1">
             <a:spLocks noGrp="1"/>
           </p:cNvSpPr>
@@ -7608,7 +8549,7 @@
         </p:nvSpPr>
         <p:spPr>
           <a:xfrm>
-            <a:off x="311700" y="1228775"/>
+            <a:off x="311700" y="1266325"/>
             <a:ext cx="8520600" cy="3302700"/>
           </a:xfrm>
           <a:prstGeom prst="rect">
@@ -7621,408 +8562,211 @@
           </a:bodyPr>
           <a:lstStyle/>
           <a:p>
-            <a:pPr lvl="0" rtl="0">
-              <a:lnSpc>
-                <a:spcPct val="100000"/>
-              </a:lnSpc>
-              <a:spcBef>
-                <a:spcPts val="0"/>
-              </a:spcBef>
-              <a:spcAft>
-                <a:spcPts val="0"/>
-              </a:spcAft>
-              <a:buNone/>
-            </a:pPr>
-            <a:r>
-              <a:rPr lang="en" sz="1400" dirty="0">
-                <a:solidFill>
-                  <a:srgbClr val="999999"/>
+            <a:pPr marL="457200" lvl="0" indent="-317500" rtl="0">
+              <a:spcBef>
+                <a:spcPts val="0"/>
+              </a:spcBef>
+              <a:spcAft>
+                <a:spcPts val="0"/>
+              </a:spcAft>
+              <a:buSzPct val="100000"/>
+              <a:buAutoNum type="arabicPeriod"/>
+            </a:pPr>
+            <a:r>
+              <a:rPr lang="en" sz="1400"/>
+              <a:t>Go to </a:t>
+            </a:r>
+            <a:r>
+              <a:rPr lang="en" sz="1400" u="sng">
+                <a:solidFill>
+                  <a:schemeClr val="hlink"/>
+                </a:solidFill>
+                <a:hlinkClick r:id="rId3"/>
+              </a:rPr>
+              <a:t>http://dev.mysql.com/downloads/mysql/</a:t>
+            </a:r>
+            <a:r>
+              <a:rPr lang="en" sz="1400"/>
+              <a:t>, select MAC OS X for the operating system and download the DMG version of MySQL</a:t>
+            </a:r>
+          </a:p>
+          <a:p>
+            <a:pPr marL="457200" lvl="0" indent="-317500" rtl="0">
+              <a:spcBef>
+                <a:spcPts val="0"/>
+              </a:spcBef>
+              <a:spcAft>
+                <a:spcPts val="0"/>
+              </a:spcAft>
+              <a:buSzPct val="100000"/>
+              <a:buAutoNum type="arabicPeriod"/>
+            </a:pPr>
+            <a:r>
+              <a:rPr lang="en" sz="1400"/>
+              <a:t>Open the DMG file and follow the installation wizard to install. It will give you a temporary password at some point, </a:t>
+            </a:r>
+            <a:r>
+              <a:rPr lang="en" sz="1400" b="1"/>
+              <a:t>save this password somewhere</a:t>
+            </a:r>
+            <a:r>
+              <a:rPr lang="en" sz="1400"/>
+              <a:t>. You’ll need it in a second and then never again.</a:t>
+            </a:r>
+          </a:p>
+          <a:p>
+            <a:pPr marL="457200" lvl="0" indent="-317500" rtl="0">
+              <a:spcBef>
+                <a:spcPts val="0"/>
+              </a:spcBef>
+              <a:spcAft>
+                <a:spcPts val="0"/>
+              </a:spcAft>
+              <a:buSzPct val="100000"/>
+              <a:buAutoNum type="arabicPeriod"/>
+            </a:pPr>
+            <a:r>
+              <a:rPr lang="en" sz="1400"/>
+              <a:t>Once the installation is complete, open up System Preferences and start the MySQL server.</a:t>
+            </a:r>
+          </a:p>
+          <a:p>
+            <a:pPr marL="457200" lvl="0" indent="-317500" rtl="0">
+              <a:spcBef>
+                <a:spcPts val="0"/>
+              </a:spcBef>
+              <a:spcAft>
+                <a:spcPts val="0"/>
+              </a:spcAft>
+              <a:buSzPct val="100000"/>
+              <a:buAutoNum type="arabicPeriod"/>
+            </a:pPr>
+            <a:r>
+              <a:rPr lang="en" sz="1400"/>
+              <a:t>Now start up MySQL in your terminal by running </a:t>
+            </a:r>
+            <a:r>
+              <a:rPr lang="en" sz="1400">
+                <a:solidFill>
+                  <a:schemeClr val="accent1"/>
                 </a:solidFill>
                 <a:latin typeface="Consolas"/>
-                <a:ea typeface="Source Code Pro"/>
+                <a:ea typeface="Consolas"/>
                 <a:cs typeface="Consolas"/>
-                <a:sym typeface="Source Code Pro"/>
+                <a:sym typeface="Consolas"/>
               </a:rPr>
-              <a:t># Add a new record with user = “johnDoe” into test_table. id will be</a:t>
-            </a:r>
-          </a:p>
-          <a:p>
-            <a:pPr lvl="0" rtl="0">
-              <a:lnSpc>
-                <a:spcPct val="100000"/>
-              </a:lnSpc>
-              <a:spcBef>
-                <a:spcPts val="0"/>
-              </a:spcBef>
-              <a:spcAft>
-                <a:spcPts val="0"/>
-              </a:spcAft>
-              <a:buNone/>
-            </a:pPr>
-            <a:r>
-              <a:rPr lang="en" sz="1400" dirty="0">
-                <a:solidFill>
-                  <a:srgbClr val="999999"/>
+              <a:t>mysql -u root -p</a:t>
+            </a:r>
+            <a:r>
+              <a:rPr lang="en" sz="1400">
+                <a:latin typeface="Courier New"/>
+                <a:ea typeface="Courier New"/>
+                <a:cs typeface="Courier New"/>
+                <a:sym typeface="Courier New"/>
+              </a:rPr>
+              <a:t>,</a:t>
+            </a:r>
+            <a:r>
+              <a:rPr lang="en" sz="1400"/>
+              <a:t>and when it prompts you for the password, enter your temporary password</a:t>
+            </a:r>
+          </a:p>
+          <a:p>
+            <a:pPr marL="457200" lvl="0" indent="-317500" rtl="0">
+              <a:spcBef>
+                <a:spcPts val="0"/>
+              </a:spcBef>
+              <a:spcAft>
+                <a:spcPts val="0"/>
+              </a:spcAft>
+              <a:buSzPct val="100000"/>
+              <a:buAutoNum type="arabicPeriod"/>
+            </a:pPr>
+            <a:r>
+              <a:rPr lang="en" sz="1400"/>
+              <a:t>Inside MySQL (as signified by the &gt; in front of your terminal prompt), run </a:t>
+            </a:r>
+            <a:r>
+              <a:rPr lang="en" sz="1400">
+                <a:solidFill>
+                  <a:schemeClr val="accent1"/>
                 </a:solidFill>
                 <a:latin typeface="Consolas"/>
-                <a:ea typeface="Source Code Pro"/>
+                <a:ea typeface="Consolas"/>
                 <a:cs typeface="Consolas"/>
-                <a:sym typeface="Source Code Pro"/>
+                <a:sym typeface="Consolas"/>
               </a:rPr>
-              <a:t># set automatically; since this is the first record in the table, id = 1.</a:t>
-            </a:r>
-          </a:p>
-          <a:p>
-            <a:pPr lvl="0" rtl="0">
-              <a:lnSpc>
-                <a:spcPct val="100000"/>
-              </a:lnSpc>
-              <a:spcBef>
-                <a:spcPts val="0"/>
-              </a:spcBef>
-              <a:spcAft>
-                <a:spcPts val="1000"/>
-              </a:spcAft>
-              <a:buNone/>
-            </a:pPr>
-            <a:r>
-              <a:rPr lang="en" sz="1400" dirty="0">
-                <a:solidFill>
-                  <a:srgbClr val="000000"/>
-                </a:solidFill>
+              <a:t>SET PASSWORD FOR root@localhost=PASSWORD('');  </a:t>
+            </a:r>
+          </a:p>
+          <a:p>
+            <a:pPr marL="457200" lvl="0" indent="-317500" rtl="0">
+              <a:spcBef>
+                <a:spcPts val="0"/>
+              </a:spcBef>
+              <a:spcAft>
+                <a:spcPts val="0"/>
+              </a:spcAft>
+              <a:buSzPct val="100000"/>
+              <a:buAutoNum type="arabicPeriod"/>
+            </a:pPr>
+            <a:r>
+              <a:rPr lang="en" sz="1400"/>
+              <a:t>Now you should be able to start up MySQL without a password, simply by running </a:t>
+            </a:r>
+            <a:r>
+              <a:rPr lang="en" sz="1400">
                 <a:latin typeface="Consolas"/>
-                <a:ea typeface="Source Code Pro"/>
+                <a:ea typeface="Consolas"/>
                 <a:cs typeface="Consolas"/>
-                <a:sym typeface="Source Code Pro"/>
+                <a:sym typeface="Consolas"/>
               </a:rPr>
-              <a:t>&gt; INSERT INTO test_table (user) VALUES(“johnDoe”); </a:t>
-            </a:r>
-          </a:p>
-          <a:p>
-            <a:pPr lvl="0" rtl="0">
-              <a:lnSpc>
-                <a:spcPct val="100000"/>
-              </a:lnSpc>
-              <a:spcBef>
-                <a:spcPts val="0"/>
-              </a:spcBef>
-              <a:spcAft>
-                <a:spcPts val="0"/>
-              </a:spcAft>
-              <a:buNone/>
-            </a:pPr>
-            <a:r>
-              <a:rPr lang="en" sz="1400" dirty="0">
-                <a:solidFill>
-                  <a:srgbClr val="999999"/>
-                </a:solidFill>
-                <a:latin typeface="Consolas"/>
-                <a:ea typeface="Source Code Pro"/>
-                <a:cs typeface="Consolas"/>
-                <a:sym typeface="Source Code Pro"/>
-              </a:rPr>
-              <a:t># Display everything currently in test_table</a:t>
-            </a:r>
-          </a:p>
-          <a:p>
-            <a:pPr lvl="0" rtl="0">
-              <a:lnSpc>
-                <a:spcPct val="100000"/>
-              </a:lnSpc>
-              <a:spcBef>
-                <a:spcPts val="0"/>
-              </a:spcBef>
-              <a:spcAft>
-                <a:spcPts val="0"/>
-              </a:spcAft>
-              <a:buNone/>
-            </a:pPr>
-            <a:r>
-              <a:rPr lang="en" sz="1400" dirty="0">
-                <a:solidFill>
-                  <a:srgbClr val="000000"/>
-                </a:solidFill>
-                <a:latin typeface="Consolas"/>
-                <a:ea typeface="Source Code Pro"/>
-                <a:cs typeface="Consolas"/>
-                <a:sym typeface="Source Code Pro"/>
-              </a:rPr>
-              <a:t>&gt; SELECT * FROM test_table;</a:t>
-            </a:r>
-          </a:p>
-          <a:p>
-            <a:pPr lvl="0" rtl="0">
-              <a:lnSpc>
-                <a:spcPct val="100000"/>
-              </a:lnSpc>
-              <a:spcBef>
-                <a:spcPts val="0"/>
-              </a:spcBef>
-              <a:spcAft>
-                <a:spcPts val="0"/>
-              </a:spcAft>
-              <a:buNone/>
-            </a:pPr>
-            <a:endParaRPr sz="1400" dirty="0">
-              <a:solidFill>
-                <a:srgbClr val="000000"/>
-              </a:solidFill>
-              <a:latin typeface="Consolas"/>
-              <a:ea typeface="Source Code Pro"/>
-              <a:cs typeface="Consolas"/>
-              <a:sym typeface="Source Code Pro"/>
-            </a:endParaRPr>
-          </a:p>
-          <a:p>
-            <a:pPr lvl="0" rtl="0">
-              <a:lnSpc>
-                <a:spcPct val="100000"/>
-              </a:lnSpc>
-              <a:spcBef>
-                <a:spcPts val="0"/>
-              </a:spcBef>
-              <a:spcAft>
-                <a:spcPts val="0"/>
-              </a:spcAft>
-              <a:buNone/>
-            </a:pPr>
-            <a:r>
-              <a:rPr lang="en" sz="1400" dirty="0">
-                <a:solidFill>
-                  <a:srgbClr val="999999"/>
-                </a:solidFill>
-                <a:latin typeface="Consolas"/>
-                <a:ea typeface="Source Code Pro"/>
-                <a:cs typeface="Consolas"/>
-                <a:sym typeface="Source Code Pro"/>
-              </a:rPr>
-              <a:t># Add a new record with user = “janeDoe” into test_table. id will be </a:t>
-            </a:r>
-            <a:br>
-              <a:rPr lang="en" sz="1400" dirty="0">
-                <a:solidFill>
-                  <a:srgbClr val="999999"/>
-                </a:solidFill>
-                <a:latin typeface="Consolas"/>
-                <a:ea typeface="Source Code Pro"/>
-                <a:cs typeface="Consolas"/>
-                <a:sym typeface="Source Code Pro"/>
-              </a:rPr>
-            </a:br>
-            <a:r>
-              <a:rPr lang="en" sz="1400" dirty="0">
-                <a:solidFill>
-                  <a:srgbClr val="999999"/>
-                </a:solidFill>
-                <a:latin typeface="Consolas"/>
-                <a:ea typeface="Source Code Pro"/>
-                <a:cs typeface="Consolas"/>
-                <a:sym typeface="Source Code Pro"/>
-              </a:rPr>
-              <a:t># automatically set to 2.</a:t>
-            </a:r>
-          </a:p>
-          <a:p>
-            <a:pPr lvl="0">
-              <a:lnSpc>
-                <a:spcPct val="100000"/>
-              </a:lnSpc>
-              <a:spcBef>
-                <a:spcPts val="0"/>
-              </a:spcBef>
-              <a:spcAft>
-                <a:spcPts val="0"/>
-              </a:spcAft>
-              <a:buNone/>
-            </a:pPr>
-            <a:r>
-              <a:rPr lang="en" sz="1400" dirty="0">
-                <a:solidFill>
-                  <a:srgbClr val="000000"/>
-                </a:solidFill>
-                <a:latin typeface="Consolas"/>
-                <a:ea typeface="Source Code Pro"/>
-                <a:cs typeface="Consolas"/>
-                <a:sym typeface="Source Code Pro"/>
-              </a:rPr>
-              <a:t>&gt; INSERT INTO test_table (user) VALUES(“janeDoe”);</a:t>
-            </a:r>
-          </a:p>
-          <a:p>
-            <a:pPr lvl="0" rtl="0">
-              <a:lnSpc>
-                <a:spcPct val="100000"/>
-              </a:lnSpc>
-              <a:spcBef>
-                <a:spcPts val="0"/>
-              </a:spcBef>
-              <a:spcAft>
-                <a:spcPts val="0"/>
-              </a:spcAft>
-              <a:buNone/>
-            </a:pPr>
-            <a:r>
-              <a:rPr lang="en" sz="1400" dirty="0">
-                <a:solidFill>
-                  <a:srgbClr val="000000"/>
-                </a:solidFill>
-                <a:latin typeface="Consolas"/>
-                <a:ea typeface="Source Code Pro"/>
-                <a:cs typeface="Consolas"/>
-                <a:sym typeface="Source Code Pro"/>
-              </a:rPr>
-              <a:t>&gt; SELECT * FROM test_table;</a:t>
-            </a:r>
-          </a:p>
-          <a:p>
-            <a:pPr lvl="0" rtl="0">
-              <a:lnSpc>
-                <a:spcPct val="100000"/>
-              </a:lnSpc>
-              <a:spcBef>
-                <a:spcPts val="0"/>
-              </a:spcBef>
-              <a:spcAft>
-                <a:spcPts val="0"/>
-              </a:spcAft>
-              <a:buNone/>
-            </a:pPr>
-            <a:endParaRPr sz="1400" dirty="0">
-              <a:solidFill>
-                <a:srgbClr val="000000"/>
-              </a:solidFill>
-              <a:latin typeface="Consolas"/>
-              <a:ea typeface="Source Code Pro"/>
-              <a:cs typeface="Consolas"/>
-              <a:sym typeface="Source Code Pro"/>
-            </a:endParaRPr>
-          </a:p>
-          <a:p>
-            <a:pPr lvl="0" rtl="0">
-              <a:lnSpc>
-                <a:spcPct val="100000"/>
-              </a:lnSpc>
-              <a:spcBef>
-                <a:spcPts val="0"/>
-              </a:spcBef>
-              <a:spcAft>
-                <a:spcPts val="0"/>
-              </a:spcAft>
-              <a:buNone/>
-            </a:pPr>
-            <a:r>
-              <a:rPr lang="en" sz="1400" dirty="0">
-                <a:solidFill>
-                  <a:srgbClr val="999999"/>
-                </a:solidFill>
-                <a:latin typeface="Consolas"/>
-                <a:ea typeface="Source Code Pro"/>
-                <a:cs typeface="Consolas"/>
-                <a:sym typeface="Source Code Pro"/>
-              </a:rPr>
-              <a:t># The record with user = “johnDoe” now has user = “noDoe” since it has id = 1.</a:t>
-            </a:r>
-          </a:p>
-          <a:p>
-            <a:pPr lvl="0" rtl="0">
-              <a:lnSpc>
-                <a:spcPct val="100000"/>
-              </a:lnSpc>
-              <a:spcBef>
-                <a:spcPts val="0"/>
-              </a:spcBef>
-              <a:spcAft>
-                <a:spcPts val="0"/>
-              </a:spcAft>
-              <a:buNone/>
-            </a:pPr>
-            <a:r>
-              <a:rPr lang="en" sz="1400" dirty="0">
-                <a:solidFill>
-                  <a:srgbClr val="000000"/>
-                </a:solidFill>
-                <a:latin typeface="Consolas"/>
-                <a:ea typeface="Source Code Pro"/>
-                <a:cs typeface="Consolas"/>
-                <a:sym typeface="Source Code Pro"/>
-              </a:rPr>
-              <a:t>&gt; UPDATE test_table SET user = “noDoe” WHERE id = 1;</a:t>
-            </a:r>
-          </a:p>
-          <a:p>
-            <a:pPr lvl="0" rtl="0">
-              <a:lnSpc>
-                <a:spcPct val="100000"/>
-              </a:lnSpc>
-              <a:spcBef>
-                <a:spcPts val="0"/>
-              </a:spcBef>
-              <a:spcAft>
-                <a:spcPts val="0"/>
-              </a:spcAft>
-              <a:buNone/>
-            </a:pPr>
-            <a:endParaRPr sz="1400" dirty="0">
-              <a:solidFill>
-                <a:srgbClr val="000000"/>
-              </a:solidFill>
-              <a:latin typeface="Consolas"/>
-              <a:ea typeface="Source Code Pro"/>
-              <a:cs typeface="Consolas"/>
-              <a:sym typeface="Source Code Pro"/>
-            </a:endParaRPr>
-          </a:p>
-          <a:p>
-            <a:pPr lvl="0" rtl="0">
-              <a:lnSpc>
-                <a:spcPct val="100000"/>
-              </a:lnSpc>
-              <a:spcBef>
-                <a:spcPts val="0"/>
-              </a:spcBef>
-              <a:spcAft>
-                <a:spcPts val="0"/>
-              </a:spcAft>
-              <a:buNone/>
-            </a:pPr>
-            <a:r>
-              <a:rPr lang="en" sz="1400" dirty="0">
-                <a:solidFill>
-                  <a:srgbClr val="999999"/>
-                </a:solidFill>
-                <a:latin typeface="Consolas"/>
-                <a:ea typeface="Source Code Pro"/>
-                <a:cs typeface="Consolas"/>
-                <a:sym typeface="Source Code Pro"/>
-              </a:rPr>
-              <a:t># Will display the noDoe record</a:t>
-            </a:r>
-          </a:p>
-          <a:p>
-            <a:pPr lvl="0">
-              <a:lnSpc>
-                <a:spcPct val="100000"/>
-              </a:lnSpc>
-              <a:spcBef>
-                <a:spcPts val="0"/>
-              </a:spcBef>
-              <a:spcAft>
-                <a:spcPts val="0"/>
-              </a:spcAft>
-              <a:buNone/>
-            </a:pPr>
-            <a:r>
-              <a:rPr lang="en" sz="1400" dirty="0">
-                <a:solidFill>
-                  <a:srgbClr val="000000"/>
-                </a:solidFill>
-                <a:latin typeface="Consolas"/>
-                <a:ea typeface="Source Code Pro"/>
-                <a:cs typeface="Consolas"/>
-                <a:sym typeface="Source Code Pro"/>
-              </a:rPr>
-              <a:t>&gt; SELECT user FROM test_table WHERE id = 1;</a:t>
-            </a:r>
+              <a:t>mysql -u root</a:t>
+            </a:r>
+          </a:p>
+          <a:p>
+            <a:pPr marL="457200" lvl="0" indent="-317500" rtl="0">
+              <a:spcBef>
+                <a:spcPts val="0"/>
+              </a:spcBef>
+              <a:spcAft>
+                <a:spcPts val="0"/>
+              </a:spcAft>
+              <a:buSzPct val="100000"/>
+              <a:buAutoNum type="arabicPeriod"/>
+            </a:pPr>
+            <a:r>
+              <a:rPr lang="en" sz="1400"/>
+              <a:t>If that still doesn’t work, make sure /usr/local/bin/mysql is in your path.</a:t>
+            </a:r>
+          </a:p>
+          <a:p>
+            <a:pPr marL="457200" lvl="0" indent="-317500" rtl="0">
+              <a:spcBef>
+                <a:spcPts val="0"/>
+              </a:spcBef>
+              <a:spcAft>
+                <a:spcPts val="0"/>
+              </a:spcAft>
+              <a:buSzPct val="100000"/>
+              <a:buAutoNum type="arabicPeriod"/>
+            </a:pPr>
+            <a:r>
+              <a:rPr lang="en" sz="1400"/>
+              <a:t>If everything is working, you may now throw away that temporary password.</a:t>
+            </a:r>
+          </a:p>
+          <a:p>
+            <a:pPr marL="0" lvl="0" indent="0" rtl="0">
+              <a:spcBef>
+                <a:spcPts val="0"/>
+              </a:spcBef>
+              <a:spcAft>
+                <a:spcPts val="0"/>
+              </a:spcAft>
+              <a:buNone/>
+            </a:pPr>
+            <a:endParaRPr sz="1400"/>
           </a:p>
         </p:txBody>
       </p:sp>
@@ -8039,7 +8783,7 @@
   <p:cSld>
     <p:spTree>
       <p:nvGrpSpPr>
-        <p:cNvPr id="1" name="Shape 109"/>
+        <p:cNvPr id="1" name="Shape 111"/>
         <p:cNvGrpSpPr/>
         <p:nvPr/>
       </p:nvGrpSpPr>
@@ -8053,7 +8797,7 @@
       </p:grpSpPr>
       <p:sp>
         <p:nvSpPr>
-          <p:cNvPr id="110" name="Shape 110"/>
+          <p:cNvPr id="112" name="Shape 112"/>
           <p:cNvSpPr txBox="1">
             <a:spLocks noGrp="1"/>
           </p:cNvSpPr>
@@ -8076,7 +8820,7 @@
           </a:bodyPr>
           <a:lstStyle/>
           <a:p>
-            <a:pPr lvl="0" rtl="0">
+            <a:pPr lvl="0">
               <a:spcBef>
                 <a:spcPts val="0"/>
               </a:spcBef>
@@ -8084,14 +8828,14 @@
             </a:pPr>
             <a:r>
               <a:rPr lang="en"/>
-              <a:t>Insert/Update/Delete/Query a record</a:t>
+              <a:t>Basic commands</a:t>
             </a:r>
           </a:p>
         </p:txBody>
       </p:sp>
       <p:sp>
         <p:nvSpPr>
-          <p:cNvPr id="111" name="Shape 111"/>
+          <p:cNvPr id="113" name="Shape 113"/>
           <p:cNvSpPr txBox="1">
             <a:spLocks noGrp="1"/>
           </p:cNvSpPr>
@@ -8101,7 +8845,7 @@
         </p:nvSpPr>
         <p:spPr>
           <a:xfrm>
-            <a:off x="311700" y="1228775"/>
+            <a:off x="311700" y="1266325"/>
             <a:ext cx="8520600" cy="3302700"/>
           </a:xfrm>
           <a:prstGeom prst="rect">
@@ -8114,382 +8858,132 @@
           </a:bodyPr>
           <a:lstStyle/>
           <a:p>
-            <a:pPr lvl="0" rtl="0">
-              <a:lnSpc>
-                <a:spcPct val="100000"/>
-              </a:lnSpc>
-              <a:spcBef>
-                <a:spcPts val="0"/>
-              </a:spcBef>
-              <a:spcAft>
-                <a:spcPts val="0"/>
-              </a:spcAft>
-              <a:buNone/>
-            </a:pPr>
-            <a:r>
-              <a:rPr lang="en" sz="1400" dirty="0">
-                <a:solidFill>
-                  <a:srgbClr val="999999"/>
-                </a:solidFill>
-                <a:latin typeface="Consolas"/>
-                <a:ea typeface="Source Code Pro"/>
-                <a:cs typeface="Consolas"/>
-                <a:sym typeface="Source Code Pro"/>
-              </a:rPr>
-              <a:t># Display everything currently in test_table, but formatted more legibly</a:t>
-            </a:r>
-          </a:p>
-          <a:p>
-            <a:pPr lvl="0" rtl="0">
-              <a:lnSpc>
-                <a:spcPct val="100000"/>
-              </a:lnSpc>
-              <a:spcBef>
-                <a:spcPts val="0"/>
-              </a:spcBef>
-              <a:spcAft>
-                <a:spcPts val="0"/>
-              </a:spcAft>
-              <a:buNone/>
-            </a:pPr>
-            <a:r>
-              <a:rPr lang="en" sz="1400" dirty="0">
-                <a:solidFill>
-                  <a:srgbClr val="000000"/>
-                </a:solidFill>
-                <a:latin typeface="Consolas"/>
-                <a:ea typeface="Source Code Pro"/>
-                <a:cs typeface="Consolas"/>
-                <a:sym typeface="Source Code Pro"/>
-              </a:rPr>
-              <a:t>&gt; SELECT * FROM test_table\G</a:t>
-            </a:r>
-          </a:p>
-          <a:p>
-            <a:pPr lvl="0" rtl="0">
-              <a:lnSpc>
-                <a:spcPct val="100000"/>
-              </a:lnSpc>
-              <a:spcBef>
-                <a:spcPts val="0"/>
-              </a:spcBef>
-              <a:spcAft>
-                <a:spcPts val="0"/>
-              </a:spcAft>
-              <a:buNone/>
-            </a:pPr>
-            <a:endParaRPr sz="1400" dirty="0">
-              <a:solidFill>
-                <a:srgbClr val="000000"/>
-              </a:solidFill>
-              <a:latin typeface="Consolas"/>
-              <a:ea typeface="Source Code Pro"/>
-              <a:cs typeface="Consolas"/>
-              <a:sym typeface="Source Code Pro"/>
-            </a:endParaRPr>
-          </a:p>
-          <a:p>
-            <a:pPr lvl="0" rtl="0">
-              <a:lnSpc>
-                <a:spcPct val="100000"/>
-              </a:lnSpc>
-              <a:spcBef>
-                <a:spcPts val="0"/>
-              </a:spcBef>
-              <a:spcAft>
-                <a:spcPts val="0"/>
-              </a:spcAft>
-              <a:buNone/>
-            </a:pPr>
-            <a:r>
-              <a:rPr lang="en" sz="1400" dirty="0">
-                <a:solidFill>
-                  <a:srgbClr val="999999"/>
-                </a:solidFill>
-                <a:latin typeface="Consolas"/>
-                <a:ea typeface="Source Code Pro"/>
-                <a:cs typeface="Consolas"/>
-                <a:sym typeface="Source Code Pro"/>
-              </a:rPr>
-              <a:t># Delete the record where id = 1</a:t>
-            </a:r>
-          </a:p>
-          <a:p>
-            <a:pPr lvl="0" rtl="0">
-              <a:lnSpc>
-                <a:spcPct val="100000"/>
-              </a:lnSpc>
-              <a:spcBef>
-                <a:spcPts val="0"/>
-              </a:spcBef>
-              <a:spcAft>
-                <a:spcPts val="0"/>
-              </a:spcAft>
-              <a:buNone/>
-            </a:pPr>
-            <a:r>
-              <a:rPr lang="en" sz="1400" dirty="0">
-                <a:solidFill>
-                  <a:srgbClr val="000000"/>
-                </a:solidFill>
-                <a:latin typeface="Consolas"/>
-                <a:ea typeface="Source Code Pro"/>
-                <a:cs typeface="Consolas"/>
-                <a:sym typeface="Source Code Pro"/>
-              </a:rPr>
-              <a:t>&gt; DELETE FROM test_table WHERE id = 1;</a:t>
-            </a:r>
-          </a:p>
-          <a:p>
-            <a:pPr lvl="0" rtl="0">
-              <a:lnSpc>
-                <a:spcPct val="100000"/>
-              </a:lnSpc>
-              <a:spcBef>
-                <a:spcPts val="0"/>
-              </a:spcBef>
-              <a:spcAft>
-                <a:spcPts val="0"/>
-              </a:spcAft>
-              <a:buNone/>
-            </a:pPr>
-            <a:r>
-              <a:rPr lang="en" sz="1400" dirty="0">
-                <a:solidFill>
-                  <a:srgbClr val="000000"/>
-                </a:solidFill>
-                <a:latin typeface="Consolas"/>
-                <a:ea typeface="Source Code Pro"/>
-                <a:cs typeface="Consolas"/>
-                <a:sym typeface="Source Code Pro"/>
-              </a:rPr>
-              <a:t>&gt; SELECT * FROM test_table;</a:t>
-            </a:r>
-          </a:p>
-          <a:p>
-            <a:pPr lvl="0" rtl="0">
-              <a:lnSpc>
-                <a:spcPct val="100000"/>
-              </a:lnSpc>
-              <a:spcBef>
-                <a:spcPts val="0"/>
-              </a:spcBef>
-              <a:spcAft>
-                <a:spcPts val="0"/>
-              </a:spcAft>
-              <a:buNone/>
-            </a:pPr>
-            <a:endParaRPr sz="1400" dirty="0">
-              <a:solidFill>
-                <a:srgbClr val="000000"/>
-              </a:solidFill>
-              <a:latin typeface="Consolas"/>
-              <a:ea typeface="Source Code Pro"/>
-              <a:cs typeface="Consolas"/>
-              <a:sym typeface="Source Code Pro"/>
-            </a:endParaRPr>
-          </a:p>
-          <a:p>
-            <a:pPr lvl="0" rtl="0">
-              <a:lnSpc>
-                <a:spcPct val="100000"/>
-              </a:lnSpc>
-              <a:spcBef>
-                <a:spcPts val="0"/>
-              </a:spcBef>
-              <a:spcAft>
-                <a:spcPts val="0"/>
-              </a:spcAft>
-              <a:buNone/>
-            </a:pPr>
-            <a:r>
-              <a:rPr lang="en" sz="1400" dirty="0">
-                <a:solidFill>
-                  <a:srgbClr val="999999"/>
-                </a:solidFill>
-                <a:latin typeface="Consolas"/>
-                <a:ea typeface="Source Code Pro"/>
-                <a:cs typeface="Consolas"/>
-                <a:sym typeface="Source Code Pro"/>
-              </a:rPr>
-              <a:t># Delete the test_table table</a:t>
-            </a:r>
-          </a:p>
-          <a:p>
-            <a:pPr lvl="0" rtl="0">
-              <a:lnSpc>
-                <a:spcPct val="100000"/>
-              </a:lnSpc>
-              <a:spcBef>
-                <a:spcPts val="0"/>
-              </a:spcBef>
-              <a:spcAft>
-                <a:spcPts val="0"/>
-              </a:spcAft>
-              <a:buNone/>
-            </a:pPr>
-            <a:r>
-              <a:rPr lang="en" sz="1400" dirty="0">
-                <a:solidFill>
-                  <a:srgbClr val="000000"/>
-                </a:solidFill>
-                <a:latin typeface="Consolas"/>
-                <a:ea typeface="Source Code Pro"/>
-                <a:cs typeface="Consolas"/>
-                <a:sym typeface="Source Code Pro"/>
-              </a:rPr>
-              <a:t>&gt; DROP TABLE test_table;</a:t>
-            </a:r>
-          </a:p>
-          <a:p>
-            <a:pPr lvl="0" rtl="0">
-              <a:lnSpc>
-                <a:spcPct val="100000"/>
-              </a:lnSpc>
-              <a:spcBef>
-                <a:spcPts val="0"/>
-              </a:spcBef>
-              <a:spcAft>
-                <a:spcPts val="0"/>
-              </a:spcAft>
-              <a:buNone/>
-            </a:pPr>
-            <a:r>
-              <a:rPr lang="en" sz="1400" dirty="0">
-                <a:solidFill>
-                  <a:srgbClr val="000000"/>
-                </a:solidFill>
-                <a:latin typeface="Consolas"/>
-                <a:ea typeface="Source Code Pro"/>
-                <a:cs typeface="Consolas"/>
-                <a:sym typeface="Source Code Pro"/>
-              </a:rPr>
-              <a:t>&gt; SHOW TABLES;</a:t>
-            </a:r>
-          </a:p>
-          <a:p>
-            <a:pPr lvl="0" rtl="0">
-              <a:lnSpc>
-                <a:spcPct val="100000"/>
-              </a:lnSpc>
-              <a:spcBef>
-                <a:spcPts val="0"/>
-              </a:spcBef>
-              <a:spcAft>
-                <a:spcPts val="0"/>
-              </a:spcAft>
-              <a:buNone/>
-            </a:pPr>
-            <a:endParaRPr sz="1400" dirty="0">
-              <a:solidFill>
-                <a:srgbClr val="000000"/>
-              </a:solidFill>
-              <a:latin typeface="Consolas"/>
-              <a:ea typeface="Source Code Pro"/>
-              <a:cs typeface="Consolas"/>
-              <a:sym typeface="Source Code Pro"/>
-            </a:endParaRPr>
-          </a:p>
-          <a:p>
-            <a:pPr lvl="0" rtl="0">
-              <a:lnSpc>
-                <a:spcPct val="100000"/>
-              </a:lnSpc>
-              <a:spcBef>
-                <a:spcPts val="0"/>
-              </a:spcBef>
-              <a:spcAft>
-                <a:spcPts val="0"/>
-              </a:spcAft>
-              <a:buNone/>
-            </a:pPr>
-            <a:r>
-              <a:rPr lang="en" sz="1400" dirty="0">
-                <a:solidFill>
-                  <a:srgbClr val="999999"/>
-                </a:solidFill>
-                <a:latin typeface="Consolas"/>
-                <a:ea typeface="Source Code Pro"/>
-                <a:cs typeface="Consolas"/>
-                <a:sym typeface="Source Code Pro"/>
-              </a:rPr>
-              <a:t># Delete the test database</a:t>
-            </a:r>
-          </a:p>
-          <a:p>
-            <a:pPr lvl="0" rtl="0">
-              <a:lnSpc>
-                <a:spcPct val="100000"/>
-              </a:lnSpc>
-              <a:spcBef>
-                <a:spcPts val="0"/>
-              </a:spcBef>
-              <a:spcAft>
-                <a:spcPts val="0"/>
-              </a:spcAft>
-              <a:buNone/>
-            </a:pPr>
-            <a:r>
-              <a:rPr lang="en" sz="1400" dirty="0">
-                <a:solidFill>
-                  <a:srgbClr val="000000"/>
-                </a:solidFill>
-                <a:latin typeface="Consolas"/>
-                <a:ea typeface="Source Code Pro"/>
-                <a:cs typeface="Consolas"/>
-                <a:sym typeface="Source Code Pro"/>
-              </a:rPr>
-              <a:t>&gt; DROP DATABASE test;</a:t>
-            </a:r>
-          </a:p>
-          <a:p>
-            <a:pPr lvl="0" rtl="0">
-              <a:lnSpc>
-                <a:spcPct val="100000"/>
-              </a:lnSpc>
-              <a:spcBef>
-                <a:spcPts val="0"/>
-              </a:spcBef>
-              <a:spcAft>
-                <a:spcPts val="0"/>
-              </a:spcAft>
-              <a:buNone/>
-            </a:pPr>
-            <a:r>
-              <a:rPr lang="en" sz="1400" dirty="0">
-                <a:solidFill>
-                  <a:srgbClr val="000000"/>
-                </a:solidFill>
-                <a:latin typeface="Consolas"/>
-                <a:ea typeface="Source Code Pro"/>
-                <a:cs typeface="Consolas"/>
-                <a:sym typeface="Source Code Pro"/>
-              </a:rPr>
-              <a:t>&gt; SHOW DATABASES;</a:t>
-            </a:r>
-          </a:p>
-          <a:p>
-            <a:pPr lvl="0" rtl="0">
-              <a:lnSpc>
-                <a:spcPct val="100000"/>
-              </a:lnSpc>
-              <a:spcBef>
-                <a:spcPts val="0"/>
-              </a:spcBef>
-              <a:spcAft>
-                <a:spcPts val="0"/>
-              </a:spcAft>
-              <a:buNone/>
-            </a:pPr>
-            <a:endParaRPr sz="1400" dirty="0">
-              <a:solidFill>
-                <a:srgbClr val="000000"/>
-              </a:solidFill>
-              <a:latin typeface="Consolas"/>
-              <a:ea typeface="Source Code Pro"/>
-              <a:cs typeface="Consolas"/>
-              <a:sym typeface="Source Code Pro"/>
-            </a:endParaRPr>
+            <a:pPr marL="514350" lvl="0" indent="-285750">
+              <a:spcBef>
+                <a:spcPts val="0"/>
+              </a:spcBef>
+              <a:spcAft>
+                <a:spcPts val="1000"/>
+              </a:spcAft>
+              <a:buFont typeface="Arial"/>
+              <a:buChar char="•"/>
+            </a:pPr>
+            <a:r>
+              <a:rPr lang="en" dirty="0"/>
+              <a:t>The way you interact with a MySQL server is through SQL commands. </a:t>
+            </a:r>
+          </a:p>
+          <a:p>
+            <a:pPr marL="514350" lvl="0" indent="-285750">
+              <a:spcBef>
+                <a:spcPts val="0"/>
+              </a:spcBef>
+              <a:spcAft>
+                <a:spcPts val="1000"/>
+              </a:spcAft>
+              <a:buFont typeface="Arial"/>
+              <a:buChar char="•"/>
+            </a:pPr>
+            <a:r>
+              <a:rPr lang="en" dirty="0"/>
+              <a:t>To be very clear: </a:t>
+            </a:r>
+            <a:r>
+              <a:rPr lang="en" b="1" dirty="0"/>
+              <a:t>MySQL is a database manager, SQL is the language to interact with it</a:t>
+            </a:r>
+            <a:r>
+              <a:rPr lang="en" dirty="0"/>
+              <a:t>.</a:t>
+            </a:r>
+          </a:p>
+          <a:p>
+            <a:pPr marL="514350" lvl="0" indent="-285750" rtl="0">
+              <a:spcBef>
+                <a:spcPts val="0"/>
+              </a:spcBef>
+              <a:spcAft>
+                <a:spcPts val="1000"/>
+              </a:spcAft>
+              <a:buFont typeface="Arial"/>
+              <a:buChar char="•"/>
+            </a:pPr>
+            <a:r>
+              <a:rPr lang="en" dirty="0"/>
+              <a:t>SQL commands are actually pretty human readable. Queries generally follow a SELECT </a:t>
+            </a:r>
+            <a:r>
+              <a:rPr lang="en" i="1" dirty="0"/>
+              <a:t>some attributes</a:t>
+            </a:r>
+            <a:r>
+              <a:rPr lang="en" dirty="0"/>
+              <a:t> FROM </a:t>
+            </a:r>
+            <a:r>
+              <a:rPr lang="en" i="1" dirty="0"/>
+              <a:t>some table</a:t>
+            </a:r>
+            <a:r>
+              <a:rPr lang="en" dirty="0"/>
+              <a:t> WHERE </a:t>
+            </a:r>
+            <a:r>
+              <a:rPr lang="en" i="1" dirty="0"/>
+              <a:t>some case holds true</a:t>
+            </a:r>
+            <a:r>
+              <a:rPr lang="en" dirty="0"/>
+              <a:t> pattern.</a:t>
+            </a:r>
+          </a:p>
+          <a:p>
+            <a:pPr marL="971550" lvl="1" indent="-285750" rtl="0">
+              <a:spcBef>
+                <a:spcPts val="0"/>
+              </a:spcBef>
+              <a:spcAft>
+                <a:spcPts val="1000"/>
+              </a:spcAft>
+              <a:buFont typeface="Arial"/>
+              <a:buChar char="•"/>
+            </a:pPr>
+            <a:r>
+              <a:rPr lang="en" dirty="0"/>
+              <a:t>Some keywords will be in all caps, which doesn’t matter -- it just improves readability</a:t>
+            </a:r>
+          </a:p>
+          <a:p>
+            <a:pPr marL="971550" lvl="1" indent="-285750" rtl="0">
+              <a:spcBef>
+                <a:spcPts val="0"/>
+              </a:spcBef>
+              <a:spcAft>
+                <a:spcPts val="1000"/>
+              </a:spcAft>
+              <a:buFont typeface="Arial"/>
+              <a:buChar char="•"/>
+            </a:pPr>
+            <a:r>
+              <a:rPr lang="en" dirty="0"/>
+              <a:t>Most commands end with a ;</a:t>
+            </a:r>
+          </a:p>
+          <a:p>
+            <a:pPr marL="514350" lvl="0" indent="-285750" rtl="0">
+              <a:spcBef>
+                <a:spcPts val="0"/>
+              </a:spcBef>
+              <a:spcAft>
+                <a:spcPts val="1000"/>
+              </a:spcAft>
+              <a:buFont typeface="Arial"/>
+              <a:buChar char="•"/>
+            </a:pPr>
+            <a:r>
+              <a:rPr lang="en" dirty="0"/>
+              <a:t>Follow along while we go through some basic commands!</a:t>
+            </a:r>
           </a:p>
         </p:txBody>
       </p:sp>
@@ -8506,7 +9000,7 @@
   <p:cSld>
     <p:spTree>
       <p:nvGrpSpPr>
-        <p:cNvPr id="1" name="Shape 115"/>
+        <p:cNvPr id="1" name="Shape 117"/>
         <p:cNvGrpSpPr/>
         <p:nvPr/>
       </p:nvGrpSpPr>
@@ -8520,7 +9014,7 @@
       </p:grpSpPr>
       <p:sp>
         <p:nvSpPr>
-          <p:cNvPr id="116" name="Shape 116"/>
+          <p:cNvPr id="118" name="Shape 118"/>
           <p:cNvSpPr txBox="1">
             <a:spLocks noGrp="1"/>
           </p:cNvSpPr>
@@ -8530,15 +9024,15 @@
         </p:nvSpPr>
         <p:spPr>
           <a:xfrm>
-            <a:off x="311700" y="814800"/>
-            <a:ext cx="8571300" cy="942000"/>
+            <a:off x="311700" y="445025"/>
+            <a:ext cx="8520600" cy="707400"/>
           </a:xfrm>
           <a:prstGeom prst="rect">
             <a:avLst/>
           </a:prstGeom>
         </p:spPr>
         <p:txBody>
-          <a:bodyPr lIns="91425" tIns="91425" rIns="91425" bIns="91425" anchor="ctr" anchorCtr="0">
+          <a:bodyPr lIns="91425" tIns="91425" rIns="91425" bIns="91425" anchor="t" anchorCtr="0">
             <a:noAutofit/>
           </a:bodyPr>
           <a:lstStyle/>
@@ -8551,29 +9045,29 @@
             </a:pPr>
             <a:r>
               <a:rPr lang="en"/>
-              <a:t>That’s it for MySQL!</a:t>
+              <a:t>Creating a database and table</a:t>
             </a:r>
           </a:p>
         </p:txBody>
       </p:sp>
       <p:sp>
         <p:nvSpPr>
-          <p:cNvPr id="117" name="Shape 117"/>
-          <p:cNvSpPr txBox="1"/>
-          <p:nvPr/>
+          <p:cNvPr id="119" name="Shape 119"/>
+          <p:cNvSpPr txBox="1">
+            <a:spLocks noGrp="1"/>
+          </p:cNvSpPr>
+          <p:nvPr>
+            <p:ph type="body" idx="1"/>
+          </p:nvPr>
         </p:nvSpPr>
         <p:spPr>
           <a:xfrm>
-            <a:off x="3302250" y="2578250"/>
-            <a:ext cx="2539500" cy="725400"/>
+            <a:off x="311700" y="1266325"/>
+            <a:ext cx="8520600" cy="3302700"/>
           </a:xfrm>
           <a:prstGeom prst="rect">
             <a:avLst/>
           </a:prstGeom>
-          <a:noFill/>
-          <a:ln>
-            <a:noFill/>
-          </a:ln>
         </p:spPr>
         <p:txBody>
           <a:bodyPr lIns="91425" tIns="91425" rIns="91425" bIns="91425" anchor="t" anchorCtr="0">
@@ -8581,23 +9075,358 @@
           </a:bodyPr>
           <a:lstStyle/>
           <a:p>
-            <a:pPr lvl="0" algn="ctr">
-              <a:spcBef>
-                <a:spcPts val="0"/>
-              </a:spcBef>
-              <a:buNone/>
-            </a:pPr>
-            <a:r>
-              <a:rPr lang="en" sz="1800">
-                <a:solidFill>
-                  <a:srgbClr val="FFFFFF"/>
-                </a:solidFill>
-                <a:latin typeface="Open Sans"/>
-                <a:ea typeface="Open Sans"/>
-                <a:cs typeface="Open Sans"/>
-                <a:sym typeface="Open Sans"/>
+            <a:pPr lvl="0" rtl="0">
+              <a:lnSpc>
+                <a:spcPct val="100000"/>
+              </a:lnSpc>
+              <a:spcBef>
+                <a:spcPts val="0"/>
+              </a:spcBef>
+              <a:spcAft>
+                <a:spcPts val="0"/>
+              </a:spcAft>
+              <a:buNone/>
+            </a:pPr>
+            <a:r>
+              <a:rPr lang="en">
+                <a:solidFill>
+                  <a:srgbClr val="000000"/>
+                </a:solidFill>
+                <a:latin typeface="Consolas"/>
+                <a:ea typeface="Consolas"/>
+                <a:cs typeface="Consolas"/>
+                <a:sym typeface="Consolas"/>
               </a:rPr>
-              <a:t>Any questions?</a:t>
+              <a:t>&gt; SHOW DATABASES;</a:t>
+            </a:r>
+            <a:r>
+              <a:rPr lang="en">
+                <a:latin typeface="Consolas"/>
+                <a:ea typeface="Consolas"/>
+                <a:cs typeface="Consolas"/>
+                <a:sym typeface="Consolas"/>
+              </a:rPr>
+              <a:t>        </a:t>
+            </a:r>
+            <a:r>
+              <a:rPr lang="en">
+                <a:solidFill>
+                  <a:srgbClr val="999999"/>
+                </a:solidFill>
+                <a:latin typeface="Consolas"/>
+                <a:ea typeface="Consolas"/>
+                <a:cs typeface="Consolas"/>
+                <a:sym typeface="Consolas"/>
+              </a:rPr>
+              <a:t># lists all databases</a:t>
+            </a:r>
+          </a:p>
+          <a:p>
+            <a:pPr lvl="0">
+              <a:lnSpc>
+                <a:spcPct val="100000"/>
+              </a:lnSpc>
+              <a:spcBef>
+                <a:spcPts val="0"/>
+              </a:spcBef>
+              <a:spcAft>
+                <a:spcPts val="0"/>
+              </a:spcAft>
+              <a:buNone/>
+            </a:pPr>
+            <a:r>
+              <a:rPr lang="en">
+                <a:solidFill>
+                  <a:srgbClr val="000000"/>
+                </a:solidFill>
+                <a:latin typeface="Consolas"/>
+                <a:ea typeface="Consolas"/>
+                <a:cs typeface="Consolas"/>
+                <a:sym typeface="Consolas"/>
+              </a:rPr>
+              <a:t>&gt; CREATE DATABASE test;  </a:t>
+            </a:r>
+            <a:r>
+              <a:rPr lang="en">
+                <a:solidFill>
+                  <a:srgbClr val="999999"/>
+                </a:solidFill>
+                <a:latin typeface="Consolas"/>
+                <a:ea typeface="Consolas"/>
+                <a:cs typeface="Consolas"/>
+                <a:sym typeface="Consolas"/>
+              </a:rPr>
+              <a:t># create a database named test</a:t>
+            </a:r>
+          </a:p>
+          <a:p>
+            <a:pPr lvl="0" rtl="0">
+              <a:lnSpc>
+                <a:spcPct val="100000"/>
+              </a:lnSpc>
+              <a:spcBef>
+                <a:spcPts val="0"/>
+              </a:spcBef>
+              <a:spcAft>
+                <a:spcPts val="0"/>
+              </a:spcAft>
+              <a:buNone/>
+            </a:pPr>
+            <a:r>
+              <a:rPr lang="en">
+                <a:solidFill>
+                  <a:srgbClr val="000000"/>
+                </a:solidFill>
+                <a:latin typeface="Consolas"/>
+                <a:ea typeface="Consolas"/>
+                <a:cs typeface="Consolas"/>
+                <a:sym typeface="Consolas"/>
+              </a:rPr>
+              <a:t>&gt; USE test;              </a:t>
+            </a:r>
+            <a:r>
+              <a:rPr lang="en">
+                <a:solidFill>
+                  <a:srgbClr val="999999"/>
+                </a:solidFill>
+                <a:latin typeface="Consolas"/>
+                <a:ea typeface="Consolas"/>
+                <a:cs typeface="Consolas"/>
+                <a:sym typeface="Consolas"/>
+              </a:rPr>
+              <a:t># make test the active database   </a:t>
+            </a:r>
+          </a:p>
+          <a:p>
+            <a:pPr lvl="0" rtl="0">
+              <a:lnSpc>
+                <a:spcPct val="100000"/>
+              </a:lnSpc>
+              <a:spcBef>
+                <a:spcPts val="0"/>
+              </a:spcBef>
+              <a:spcAft>
+                <a:spcPts val="0"/>
+              </a:spcAft>
+              <a:buNone/>
+            </a:pPr>
+            <a:r>
+              <a:rPr lang="en">
+                <a:solidFill>
+                  <a:srgbClr val="000000"/>
+                </a:solidFill>
+                <a:latin typeface="Consolas"/>
+                <a:ea typeface="Consolas"/>
+                <a:cs typeface="Consolas"/>
+                <a:sym typeface="Consolas"/>
+              </a:rPr>
+              <a:t>&gt; CREATE TABLE test_table (</a:t>
+            </a:r>
+          </a:p>
+          <a:p>
+            <a:pPr lvl="0" rtl="0">
+              <a:lnSpc>
+                <a:spcPct val="100000"/>
+              </a:lnSpc>
+              <a:spcBef>
+                <a:spcPts val="0"/>
+              </a:spcBef>
+              <a:spcAft>
+                <a:spcPts val="0"/>
+              </a:spcAft>
+              <a:buNone/>
+            </a:pPr>
+            <a:r>
+              <a:rPr lang="en">
+                <a:solidFill>
+                  <a:srgbClr val="000000"/>
+                </a:solidFill>
+                <a:latin typeface="Consolas"/>
+                <a:ea typeface="Consolas"/>
+                <a:cs typeface="Consolas"/>
+                <a:sym typeface="Consolas"/>
+              </a:rPr>
+              <a:t>    id INTEGER NOT NULL AUTO_INCREMENT,</a:t>
+            </a:r>
+          </a:p>
+          <a:p>
+            <a:pPr lvl="0" rtl="0">
+              <a:lnSpc>
+                <a:spcPct val="100000"/>
+              </a:lnSpc>
+              <a:spcBef>
+                <a:spcPts val="0"/>
+              </a:spcBef>
+              <a:spcAft>
+                <a:spcPts val="0"/>
+              </a:spcAft>
+              <a:buNone/>
+            </a:pPr>
+            <a:r>
+              <a:rPr lang="en">
+                <a:solidFill>
+                  <a:srgbClr val="000000"/>
+                </a:solidFill>
+                <a:latin typeface="Consolas"/>
+                <a:ea typeface="Consolas"/>
+                <a:cs typeface="Consolas"/>
+                <a:sym typeface="Consolas"/>
+              </a:rPr>
+              <a:t>    user VARCHAR(15) NOT NULL, </a:t>
+            </a:r>
+          </a:p>
+          <a:p>
+            <a:pPr lvl="0" rtl="0">
+              <a:lnSpc>
+                <a:spcPct val="100000"/>
+              </a:lnSpc>
+              <a:spcBef>
+                <a:spcPts val="0"/>
+              </a:spcBef>
+              <a:spcAft>
+                <a:spcPts val="0"/>
+              </a:spcAft>
+              <a:buNone/>
+            </a:pPr>
+            <a:r>
+              <a:rPr lang="en">
+                <a:solidFill>
+                  <a:srgbClr val="000000"/>
+                </a:solidFill>
+                <a:latin typeface="Consolas"/>
+                <a:ea typeface="Consolas"/>
+                <a:cs typeface="Consolas"/>
+                <a:sym typeface="Consolas"/>
+              </a:rPr>
+              <a:t>    PRIMARY KEY (id), </a:t>
+            </a:r>
+          </a:p>
+          <a:p>
+            <a:pPr lvl="0" rtl="0">
+              <a:lnSpc>
+                <a:spcPct val="100000"/>
+              </a:lnSpc>
+              <a:spcBef>
+                <a:spcPts val="0"/>
+              </a:spcBef>
+              <a:spcAft>
+                <a:spcPts val="0"/>
+              </a:spcAft>
+              <a:buNone/>
+            </a:pPr>
+            <a:r>
+              <a:rPr lang="en">
+                <a:solidFill>
+                  <a:srgbClr val="000000"/>
+                </a:solidFill>
+                <a:latin typeface="Consolas"/>
+                <a:ea typeface="Consolas"/>
+                <a:cs typeface="Consolas"/>
+                <a:sym typeface="Consolas"/>
+              </a:rPr>
+              <a:t>    UNIQUE (user)</a:t>
+            </a:r>
+          </a:p>
+          <a:p>
+            <a:pPr lvl="0" rtl="0">
+              <a:lnSpc>
+                <a:spcPct val="100000"/>
+              </a:lnSpc>
+              <a:spcBef>
+                <a:spcPts val="0"/>
+              </a:spcBef>
+              <a:spcAft>
+                <a:spcPts val="0"/>
+              </a:spcAft>
+              <a:buNone/>
+            </a:pPr>
+            <a:r>
+              <a:rPr lang="en">
+                <a:solidFill>
+                  <a:srgbClr val="000000"/>
+                </a:solidFill>
+                <a:latin typeface="Consolas"/>
+                <a:ea typeface="Consolas"/>
+                <a:cs typeface="Consolas"/>
+                <a:sym typeface="Consolas"/>
+              </a:rPr>
+              <a:t>  );</a:t>
+            </a:r>
+          </a:p>
+          <a:p>
+            <a:pPr lvl="0" rtl="0">
+              <a:lnSpc>
+                <a:spcPct val="100000"/>
+              </a:lnSpc>
+              <a:spcBef>
+                <a:spcPts val="0"/>
+              </a:spcBef>
+              <a:spcAft>
+                <a:spcPts val="0"/>
+              </a:spcAft>
+              <a:buNone/>
+            </a:pPr>
+            <a:r>
+              <a:rPr lang="en">
+                <a:solidFill>
+                  <a:srgbClr val="000000"/>
+                </a:solidFill>
+                <a:latin typeface="Consolas"/>
+                <a:ea typeface="Consolas"/>
+                <a:cs typeface="Consolas"/>
+                <a:sym typeface="Consolas"/>
+              </a:rPr>
+              <a:t>&gt; SHOW TABLES;			  </a:t>
+            </a:r>
+            <a:r>
+              <a:rPr lang="en">
+                <a:solidFill>
+                  <a:srgbClr val="999999"/>
+                </a:solidFill>
+                <a:latin typeface="Consolas"/>
+                <a:ea typeface="Consolas"/>
+                <a:cs typeface="Consolas"/>
+                <a:sym typeface="Consolas"/>
+              </a:rPr>
+              <a:t># show the tables in the database</a:t>
+            </a:r>
+          </a:p>
+          <a:p>
+            <a:pPr lvl="0" rtl="0">
+              <a:lnSpc>
+                <a:spcPct val="100000"/>
+              </a:lnSpc>
+              <a:spcBef>
+                <a:spcPts val="0"/>
+              </a:spcBef>
+              <a:spcAft>
+                <a:spcPts val="0"/>
+              </a:spcAft>
+              <a:buNone/>
+            </a:pPr>
+            <a:r>
+              <a:rPr lang="en">
+                <a:solidFill>
+                  <a:srgbClr val="000000"/>
+                </a:solidFill>
+                <a:latin typeface="Consolas"/>
+                <a:ea typeface="Consolas"/>
+                <a:cs typeface="Consolas"/>
+                <a:sym typeface="Consolas"/>
+              </a:rPr>
+              <a:t>&gt; DESC test_table;      </a:t>
+            </a:r>
+            <a:r>
+              <a:rPr lang="en">
+                <a:solidFill>
+                  <a:srgbClr val="999999"/>
+                </a:solidFill>
+                <a:latin typeface="Consolas"/>
+                <a:ea typeface="Consolas"/>
+                <a:cs typeface="Consolas"/>
+                <a:sym typeface="Consolas"/>
+              </a:rPr>
+              <a:t># describe the test_table</a:t>
             </a:r>
           </a:p>
         </p:txBody>
